--- a/FINAL/THUCTAP-PPT-OFF.pptx
+++ b/FINAL/THUCTAP-PPT-OFF.pptx
@@ -211,7 +211,7 @@
           <a:p>
             <a:fld id="{CE34450B-4D28-42F6-935D-2E5F114867AA}" type="datetimeFigureOut">
               <a:rPr lang="en-US" smtClean="0"/>
-              <a:t>4/18/2023</a:t>
+              <a:t>5/2/2023</a:t>
             </a:fld>
             <a:endParaRPr lang="en-US"/>
           </a:p>
@@ -7174,6 +7174,23 @@
               <a:defRPr/>
             </a:pPr>
             <a:r>
+              <a:rPr kumimoji="0" lang="en-US" sz="1800" b="0" i="0" u="none" strike="noStrike" kern="1200" cap="none" spc="0" normalizeH="0" baseline="0" noProof="0" smtClean="0">
+                <a:ln>
+                  <a:noFill/>
+                </a:ln>
+                <a:solidFill>
+                  <a:prstClr val="black"/>
+                </a:solidFill>
+                <a:effectLst/>
+                <a:uLnTx/>
+                <a:uFillTx/>
+                <a:latin typeface="iCiel Cadena" panose="02000503000000020004" pitchFamily="50" charset="0"/>
+                <a:ea typeface="Open Sans ExtraBold" panose="020B0906030804020204" pitchFamily="34" charset="0"/>
+                <a:cs typeface="Open Sans ExtraBold" panose="020B0906030804020204" pitchFamily="34" charset="0"/>
+              </a:rPr>
+              <a:t>Th.s Thầy </a:t>
+            </a:r>
+            <a:r>
               <a:rPr kumimoji="0" lang="en-US" sz="1800" b="0" i="0" u="none" strike="noStrike" kern="1200" cap="none" spc="0" normalizeH="0" baseline="0" noProof="0">
                 <a:ln>
                   <a:noFill/>
@@ -7188,7 +7205,7 @@
                 <a:ea typeface="Open Sans ExtraBold" panose="020B0906030804020204" pitchFamily="34" charset="0"/>
                 <a:cs typeface="Open Sans ExtraBold" panose="020B0906030804020204" pitchFamily="34" charset="0"/>
               </a:rPr>
-              <a:t>Thầy Thiều Thanh Quang Phú</a:t>
+              <a:t>Thiều Thanh Quang Phú</a:t>
             </a:r>
           </a:p>
         </p:txBody>
@@ -7519,7 +7536,7 @@
         <p:spPr>
           <a:xfrm>
             <a:off x="3276600" y="461665"/>
-            <a:ext cx="7429500" cy="646331"/>
+            <a:ext cx="7693252" cy="646331"/>
           </a:xfrm>
           <a:prstGeom prst="rect">
             <a:avLst/>
@@ -7578,7 +7595,26 @@
                 <a:ea typeface="Arial Unicode MS"/>
                 <a:cs typeface="+mn-cs"/>
               </a:rPr>
-              <a:t>. Một</a:t>
+              <a:t>. </a:t>
+            </a:r>
+            <a:r>
+              <a:rPr kumimoji="0" lang="en-US" sz="3600" b="0" i="0" u="none" strike="noStrike" kern="1200" cap="none" spc="0" normalizeH="0" baseline="0" noProof="0" smtClean="0">
+                <a:ln>
+                  <a:noFill/>
+                </a:ln>
+                <a:solidFill>
+                  <a:srgbClr val="5B9BD5">
+                    <a:lumMod val="75000"/>
+                  </a:srgbClr>
+                </a:solidFill>
+                <a:effectLst/>
+                <a:uLnTx/>
+                <a:uFillTx/>
+                <a:latin typeface="iCiel Panton Black" panose="00000A00000000000000" pitchFamily="50" charset="0"/>
+                <a:ea typeface="Arial Unicode MS"/>
+                <a:cs typeface="+mn-cs"/>
+              </a:rPr>
+              <a:t>MỘT</a:t>
             </a:r>
             <a:r>
               <a:rPr kumimoji="0" lang="en-US" sz="3600" b="0" i="0" u="none" strike="noStrike" kern="1200" cap="none" spc="0" normalizeH="0" noProof="0" smtClean="0">
@@ -7597,7 +7633,7 @@
                 <a:ea typeface="Arial Unicode MS"/>
                 <a:cs typeface="+mn-cs"/>
               </a:rPr>
-              <a:t> số hình ảnh về website</a:t>
+              <a:t> SỐ HÌNH ẢNH VỀ WEBSITE</a:t>
             </a:r>
             <a:endParaRPr kumimoji="0" lang="en-US" sz="3600" b="0" i="0" u="none" strike="noStrike" kern="1200" cap="none" spc="0" normalizeH="0" baseline="0" noProof="0">
               <a:ln>
@@ -8844,7 +8880,7 @@
         <p:spPr>
           <a:xfrm>
             <a:off x="3276600" y="461665"/>
-            <a:ext cx="5219700" cy="646331"/>
+            <a:ext cx="6406982" cy="646331"/>
           </a:xfrm>
           <a:prstGeom prst="rect">
             <a:avLst/>
@@ -8922,7 +8958,7 @@
                 <a:latin typeface="iCiel Panton Black" panose="00000A00000000000000" pitchFamily="50" charset="0"/>
                 <a:ea typeface="Arial Unicode MS"/>
               </a:rPr>
-              <a:t>Kiến thức và kĩ năng</a:t>
+              <a:t>KIẾN THỨC VÀ KĨ NĂNG</a:t>
             </a:r>
             <a:endParaRPr kumimoji="0" lang="en-US" sz="3600" b="0" i="0" u="none" strike="noStrike" kern="1200" cap="none" spc="0" normalizeH="0" baseline="0" noProof="0">
               <a:ln>
@@ -11390,7 +11426,26 @@
                 <a:ea typeface="Arial Unicode MS"/>
                 <a:cs typeface="+mn-cs"/>
               </a:rPr>
-              <a:t>Hướng phát triển</a:t>
+              <a:t>HƯỚNG</a:t>
+            </a:r>
+            <a:r>
+              <a:rPr kumimoji="0" lang="en-US" sz="3600" b="0" i="0" u="none" strike="noStrike" kern="1200" cap="none" spc="0" normalizeH="0" noProof="0" smtClean="0">
+                <a:ln>
+                  <a:noFill/>
+                </a:ln>
+                <a:solidFill>
+                  <a:srgbClr val="5B9BD5">
+                    <a:lumMod val="75000"/>
+                  </a:srgbClr>
+                </a:solidFill>
+                <a:effectLst/>
+                <a:uLnTx/>
+                <a:uFillTx/>
+                <a:latin typeface="iCiel Panton Black" panose="00000A00000000000000" pitchFamily="50" charset="0"/>
+                <a:ea typeface="Arial Unicode MS"/>
+                <a:cs typeface="+mn-cs"/>
+              </a:rPr>
+              <a:t> PHÁT TRIỂN </a:t>
             </a:r>
             <a:endParaRPr kumimoji="0" lang="en-US" sz="3600" b="0" i="0" u="none" strike="noStrike" kern="1200" cap="none" spc="0" normalizeH="0" baseline="0" noProof="0">
               <a:ln>
@@ -12288,24 +12343,27 @@
               <a:defRPr/>
             </a:pPr>
             <a:r>
-              <a:rPr kumimoji="0" lang="en-US" altLang="ko-KR" sz="2000" b="0" i="0" u="none" strike="noStrike" kern="1200" cap="none" spc="0" normalizeH="0" baseline="0" noProof="0" dirty="0">
-                <a:ln>
-                  <a:noFill/>
-                </a:ln>
+              <a:rPr lang="en-US" altLang="ko-KR" sz="2000">
                 <a:solidFill>
                   <a:prstClr val="black"/>
                 </a:solidFill>
-                <a:effectLst/>
-                <a:uLnTx/>
-                <a:uFillTx/>
                 <a:latin typeface="iCiel Panton Black Italic" panose="00000A00000000000000" pitchFamily="50" charset="0"/>
                 <a:ea typeface="Arial Unicode MS"/>
-                <a:cs typeface="+mn-cs"/>
               </a:rPr>
-              <a:t>01</a:t>
-            </a:r>
-            <a:r>
-              <a:rPr kumimoji="0" lang="en-US" altLang="ko-KR" sz="2000" b="0" i="0" u="none" strike="noStrike" kern="1200" cap="none" spc="0" normalizeH="0" baseline="0" noProof="0">
+              <a:t> </a:t>
+            </a:r>
+            <a:r>
+              <a:rPr lang="en-US" altLang="ko-KR" sz="2000" smtClean="0">
+                <a:solidFill>
+                  <a:prstClr val="black"/>
+                </a:solidFill>
+                <a:latin typeface="iCiel Panton Black Italic" panose="00000A00000000000000" pitchFamily="50" charset="0"/>
+                <a:ea typeface="Arial Unicode MS"/>
+              </a:rPr>
+              <a:t> I</a:t>
+            </a:r>
+            <a:r>
+              <a:rPr kumimoji="0" lang="en-US" altLang="ko-KR" sz="2000" b="0" i="0" u="none" strike="noStrike" kern="1200" cap="none" spc="0" normalizeH="0" baseline="0" noProof="0" smtClean="0">
                 <a:ln>
                   <a:noFill/>
                 </a:ln>
@@ -12386,21 +12444,23 @@
               <a:defRPr/>
             </a:pPr>
             <a:r>
-              <a:rPr kumimoji="0" lang="en-US" altLang="ko-KR" sz="2000" b="0" i="0" u="none" strike="noStrike" kern="1200" cap="none" spc="0" normalizeH="0" baseline="0" noProof="0">
-                <a:ln>
-                  <a:noFill/>
-                </a:ln>
+              <a:rPr lang="en-US" altLang="ko-KR" sz="2000" smtClean="0">
                 <a:solidFill>
                   <a:prstClr val="black"/>
                 </a:solidFill>
-                <a:effectLst/>
-                <a:uLnTx/>
-                <a:uFillTx/>
                 <a:latin typeface="iCiel Panton Black Italic" panose="00000A00000000000000" pitchFamily="50" charset="0"/>
                 <a:ea typeface="Arial Unicode MS"/>
-                <a:cs typeface="+mn-cs"/>
               </a:rPr>
-              <a:t>03</a:t>
+              <a:t>III</a:t>
+            </a:r>
+            <a:r>
+              <a:rPr lang="en-US" altLang="ko-KR" sz="2000" smtClean="0">
+                <a:solidFill>
+                  <a:prstClr val="black"/>
+                </a:solidFill>
+                <a:latin typeface="iCiel Panton Black Italic" panose="00000A00000000000000" pitchFamily="50" charset="0"/>
+              </a:rPr>
+              <a:t>. </a:t>
             </a:r>
             <a:r>
               <a:rPr lang="en-US" altLang="ko-KR" sz="2000">
@@ -12409,16 +12469,7 @@
                 </a:solidFill>
                 <a:latin typeface="iCiel Panton Black Italic" panose="00000A00000000000000" pitchFamily="50" charset="0"/>
               </a:rPr>
-              <a:t>. Kết quả </a:t>
-            </a:r>
-            <a:r>
-              <a:rPr lang="en-US" altLang="ko-KR" sz="2000">
-                <a:solidFill>
-                  <a:prstClr val="black"/>
-                </a:solidFill>
-                <a:latin typeface="iCiel Panton Black Italic" panose="00000A00000000000000" pitchFamily="50" charset="0"/>
-              </a:rPr>
-              <a:t>đạt </a:t>
+              <a:t>Kết quả đạt </a:t>
             </a:r>
             <a:r>
               <a:rPr lang="en-US" altLang="ko-KR" sz="2000" smtClean="0">
@@ -12494,24 +12545,17 @@
               <a:defRPr/>
             </a:pPr>
             <a:r>
-              <a:rPr kumimoji="0" lang="en-US" altLang="ko-KR" sz="2000" b="0" i="0" u="none" strike="noStrike" kern="1200" cap="none" spc="0" normalizeH="0" baseline="0" noProof="0" dirty="0">
-                <a:ln>
-                  <a:noFill/>
-                </a:ln>
+              <a:rPr lang="en-US" altLang="ko-KR" sz="2000" smtClean="0">
                 <a:solidFill>
                   <a:prstClr val="black"/>
                 </a:solidFill>
-                <a:effectLst/>
-                <a:uLnTx/>
-                <a:uFillTx/>
                 <a:latin typeface="iCiel Panton Black Italic" panose="00000A00000000000000" pitchFamily="50" charset="0"/>
                 <a:ea typeface="Arial Unicode MS"/>
-                <a:cs typeface="+mn-cs"/>
               </a:rPr>
-              <a:t>02</a:t>
-            </a:r>
-            <a:r>
-              <a:rPr kumimoji="0" lang="en-US" altLang="ko-KR" sz="2000" b="0" i="0" u="none" strike="noStrike" kern="1200" cap="none" spc="0" normalizeH="0" baseline="0" noProof="0">
+              <a:t> II</a:t>
+            </a:r>
+            <a:r>
+              <a:rPr kumimoji="0" lang="en-US" altLang="ko-KR" sz="2000" b="0" i="0" u="none" strike="noStrike" kern="1200" cap="none" spc="0" normalizeH="0" baseline="0" noProof="0" smtClean="0">
                 <a:ln>
                   <a:noFill/>
                 </a:ln>
@@ -12534,16 +12578,7 @@
                 </a:solidFill>
                 <a:latin typeface="iCiel Panton Black Italic" panose="00000A00000000000000" pitchFamily="50" charset="0"/>
               </a:rPr>
-              <a:t>Website bán </a:t>
-            </a:r>
-            <a:r>
-              <a:rPr lang="en-US" altLang="ko-KR" sz="2000">
-                <a:solidFill>
-                  <a:prstClr val="black"/>
-                </a:solidFill>
-                <a:latin typeface="iCiel Panton Black Italic" panose="00000A00000000000000" pitchFamily="50" charset="0"/>
-              </a:rPr>
-              <a:t>dược </a:t>
+              <a:t>Website bán dược </a:t>
             </a:r>
             <a:r>
               <a:rPr lang="en-US" altLang="ko-KR" sz="2000" smtClean="0">
@@ -12594,24 +12629,17 @@
               <a:defRPr/>
             </a:pPr>
             <a:r>
-              <a:rPr kumimoji="0" lang="en-US" altLang="ko-KR" sz="2000" b="0" i="0" u="none" strike="noStrike" kern="1200" cap="none" spc="0" normalizeH="0" baseline="0" noProof="0" dirty="0">
-                <a:ln>
-                  <a:noFill/>
-                </a:ln>
+              <a:rPr lang="en-US" altLang="ko-KR" sz="2000" smtClean="0">
                 <a:solidFill>
                   <a:prstClr val="black"/>
                 </a:solidFill>
-                <a:effectLst/>
-                <a:uLnTx/>
-                <a:uFillTx/>
                 <a:latin typeface="iCiel Panton Black Italic" panose="00000A00000000000000" pitchFamily="50" charset="0"/>
                 <a:ea typeface="Arial Unicode MS"/>
-                <a:cs typeface="+mn-cs"/>
               </a:rPr>
-              <a:t>04</a:t>
-            </a:r>
-            <a:r>
-              <a:rPr kumimoji="0" lang="en-US" altLang="ko-KR" sz="2000" b="0" i="0" u="none" strike="noStrike" kern="1200" cap="none" spc="0" normalizeH="0" baseline="0" noProof="0">
+              <a:t>IV</a:t>
+            </a:r>
+            <a:r>
+              <a:rPr kumimoji="0" lang="en-US" altLang="ko-KR" sz="2000" b="0" i="0" u="none" strike="noStrike" kern="1200" cap="none" spc="0" normalizeH="0" baseline="0" noProof="0" smtClean="0">
                 <a:ln>
                   <a:noFill/>
                 </a:ln>
@@ -12634,16 +12662,7 @@
                 </a:solidFill>
                 <a:latin typeface="iCiel Panton Black Italic" panose="00000A00000000000000" pitchFamily="50" charset="0"/>
               </a:rPr>
-              <a:t>Hướng </a:t>
-            </a:r>
-            <a:r>
-              <a:rPr lang="en-US" altLang="ko-KR" sz="2000">
-                <a:solidFill>
-                  <a:prstClr val="black"/>
-                </a:solidFill>
-                <a:latin typeface="iCiel Panton Black Italic" panose="00000A00000000000000" pitchFamily="50" charset="0"/>
-              </a:rPr>
-              <a:t>phát </a:t>
+              <a:t>Hướng phát </a:t>
             </a:r>
             <a:r>
               <a:rPr lang="en-US" altLang="ko-KR" sz="2000" smtClean="0">
@@ -13394,7 +13413,7 @@
               <a:defRPr/>
             </a:pPr>
             <a:r>
-              <a:rPr kumimoji="0" lang="en-US" altLang="ko-KR" sz="8800" b="0" i="0" u="none" strike="noStrike" kern="1200" cap="none" spc="0" normalizeH="0" baseline="0" noProof="0" dirty="0">
+              <a:rPr kumimoji="0" lang="en-US" altLang="ko-KR" sz="8800" b="0" i="0" u="none" strike="noStrike" kern="1200" cap="none" spc="0" normalizeH="0" baseline="0" noProof="0" smtClean="0">
                 <a:ln>
                   <a:noFill/>
                 </a:ln>
@@ -13654,7 +13673,19 @@
                 <a:ea typeface="Arial Unicode MS"/>
                 <a:cs typeface="+mn-cs"/>
               </a:rPr>
-              <a:t>1. Đặt vấn đề</a:t>
+              <a:t>1. </a:t>
+            </a:r>
+            <a:r>
+              <a:rPr lang="en-US" sz="3600" noProof="0" smtClean="0">
+                <a:solidFill>
+                  <a:srgbClr val="5B9BD5">
+                    <a:lumMod val="75000"/>
+                  </a:srgbClr>
+                </a:solidFill>
+                <a:latin typeface="iCiel Panton Black" panose="00000A00000000000000" pitchFamily="50" charset="0"/>
+                <a:ea typeface="Arial Unicode MS"/>
+              </a:rPr>
+              <a:t>ĐẶT VẤN ĐỀ</a:t>
             </a:r>
             <a:endParaRPr kumimoji="0" lang="en-US" sz="3600" b="0" i="0" u="none" strike="noStrike" kern="1200" cap="none" spc="0" normalizeH="0" baseline="0" noProof="0">
               <a:ln>
@@ -14881,7 +14912,7 @@
         <p:spPr>
           <a:xfrm>
             <a:off x="3276599" y="461665"/>
-            <a:ext cx="4590143" cy="646331"/>
+            <a:ext cx="5635389" cy="646331"/>
           </a:xfrm>
           <a:prstGeom prst="rect">
             <a:avLst/>
@@ -14928,7 +14959,45 @@
                 <a:ea typeface="Arial Unicode MS"/>
                 <a:cs typeface="+mn-cs"/>
               </a:rPr>
-              <a:t>2. Mô tả trang web</a:t>
+              <a:t>2. </a:t>
+            </a:r>
+            <a:r>
+              <a:rPr kumimoji="0" lang="en-US" sz="3600" b="0" i="0" u="none" strike="noStrike" kern="1200" cap="none" spc="0" normalizeH="0" baseline="0" noProof="0" smtClean="0">
+                <a:ln>
+                  <a:noFill/>
+                </a:ln>
+                <a:solidFill>
+                  <a:srgbClr val="5B9BD5">
+                    <a:lumMod val="75000"/>
+                  </a:srgbClr>
+                </a:solidFill>
+                <a:effectLst/>
+                <a:uLnTx/>
+                <a:uFillTx/>
+                <a:latin typeface="iCiel Panton Black" panose="00000A00000000000000" pitchFamily="50" charset="0"/>
+                <a:ea typeface="Arial Unicode MS"/>
+                <a:cs typeface="+mn-cs"/>
+              </a:rPr>
+              <a:t>MÔ</a:t>
+            </a:r>
+            <a:r>
+              <a:rPr kumimoji="0" lang="en-US" sz="3600" b="0" i="0" u="none" strike="noStrike" kern="1200" cap="none" spc="0" normalizeH="0" noProof="0" smtClean="0">
+                <a:ln>
+                  <a:noFill/>
+                </a:ln>
+                <a:solidFill>
+                  <a:srgbClr val="5B9BD5">
+                    <a:lumMod val="75000"/>
+                  </a:srgbClr>
+                </a:solidFill>
+                <a:effectLst/>
+                <a:uLnTx/>
+                <a:uFillTx/>
+                <a:latin typeface="iCiel Panton Black" panose="00000A00000000000000" pitchFamily="50" charset="0"/>
+                <a:ea typeface="Arial Unicode MS"/>
+                <a:cs typeface="+mn-cs"/>
+              </a:rPr>
+              <a:t> TẢ TRANG WEB</a:t>
             </a:r>
             <a:endParaRPr kumimoji="0" lang="en-US" sz="3600" b="0" i="0" u="none" strike="noStrike" kern="1200" cap="none" spc="0" normalizeH="0" baseline="0" noProof="0">
               <a:ln>
@@ -16723,7 +16792,7 @@
                                           </p:stCondLst>
                                         </p:cTn>
                                         <p:tgtEl>
-                                          <p:spTgt spid="13"/>
+                                          <p:spTgt spid="12"/>
                                         </p:tgtEl>
                                         <p:attrNameLst>
                                           <p:attrName>style.visibility</p:attrName>
@@ -16737,7 +16806,7 @@
                                       <p:cBhvr>
                                         <p:cTn id="25" dur="500"/>
                                         <p:tgtEl>
-                                          <p:spTgt spid="13"/>
+                                          <p:spTgt spid="12"/>
                                         </p:tgtEl>
                                       </p:cBhvr>
                                     </p:animEffect>
@@ -16758,7 +16827,7 @@
                                           </p:stCondLst>
                                         </p:cTn>
                                         <p:tgtEl>
-                                          <p:spTgt spid="44"/>
+                                          <p:spTgt spid="46"/>
                                         </p:tgtEl>
                                         <p:attrNameLst>
                                           <p:attrName>style.visibility</p:attrName>
@@ -16772,22 +16841,186 @@
                                       <p:cBhvr>
                                         <p:cTn id="28" dur="500"/>
                                         <p:tgtEl>
-                                          <p:spTgt spid="44"/>
+                                          <p:spTgt spid="46"/>
                                         </p:tgtEl>
                                       </p:cBhvr>
                                     </p:animEffect>
                                   </p:childTnLst>
                                 </p:cTn>
                               </p:par>
+                            </p:childTnLst>
+                          </p:cTn>
+                        </p:par>
+                      </p:childTnLst>
+                    </p:cTn>
+                  </p:par>
+                  <p:par>
+                    <p:cTn id="29" fill="hold">
+                      <p:stCondLst>
+                        <p:cond delay="indefinite"/>
+                      </p:stCondLst>
+                      <p:childTnLst>
+                        <p:par>
+                          <p:cTn id="30" fill="hold">
+                            <p:stCondLst>
+                              <p:cond delay="0"/>
+                            </p:stCondLst>
+                            <p:childTnLst>
                               <p:par>
-                                <p:cTn id="29" presetID="10" presetClass="entr" presetSubtype="0" fill="hold" nodeType="withEffect">
+                                <p:cTn id="31" presetID="2" presetClass="entr" presetSubtype="4" fill="hold" nodeType="clickEffect">
                                   <p:stCondLst>
                                     <p:cond delay="0"/>
                                   </p:stCondLst>
                                   <p:childTnLst>
                                     <p:set>
                                       <p:cBhvr>
-                                        <p:cTn id="30" dur="1" fill="hold">
+                                        <p:cTn id="32" dur="1" fill="hold">
+                                          <p:stCondLst>
+                                            <p:cond delay="0"/>
+                                          </p:stCondLst>
+                                        </p:cTn>
+                                        <p:tgtEl>
+                                          <p:spTgt spid="13"/>
+                                        </p:tgtEl>
+                                        <p:attrNameLst>
+                                          <p:attrName>style.visibility</p:attrName>
+                                        </p:attrNameLst>
+                                      </p:cBhvr>
+                                      <p:to>
+                                        <p:strVal val="visible"/>
+                                      </p:to>
+                                    </p:set>
+                                    <p:anim calcmode="lin" valueType="num">
+                                      <p:cBhvr additive="base">
+                                        <p:cTn id="33" dur="500" fill="hold"/>
+                                        <p:tgtEl>
+                                          <p:spTgt spid="13"/>
+                                        </p:tgtEl>
+                                        <p:attrNameLst>
+                                          <p:attrName>ppt_x</p:attrName>
+                                        </p:attrNameLst>
+                                      </p:cBhvr>
+                                      <p:tavLst>
+                                        <p:tav tm="0">
+                                          <p:val>
+                                            <p:strVal val="#ppt_x"/>
+                                          </p:val>
+                                        </p:tav>
+                                        <p:tav tm="100000">
+                                          <p:val>
+                                            <p:strVal val="#ppt_x"/>
+                                          </p:val>
+                                        </p:tav>
+                                      </p:tavLst>
+                                    </p:anim>
+                                    <p:anim calcmode="lin" valueType="num">
+                                      <p:cBhvr additive="base">
+                                        <p:cTn id="34" dur="500" fill="hold"/>
+                                        <p:tgtEl>
+                                          <p:spTgt spid="13"/>
+                                        </p:tgtEl>
+                                        <p:attrNameLst>
+                                          <p:attrName>ppt_y</p:attrName>
+                                        </p:attrNameLst>
+                                      </p:cBhvr>
+                                      <p:tavLst>
+                                        <p:tav tm="0">
+                                          <p:val>
+                                            <p:strVal val="1+#ppt_h/2"/>
+                                          </p:val>
+                                        </p:tav>
+                                        <p:tav tm="100000">
+                                          <p:val>
+                                            <p:strVal val="#ppt_y"/>
+                                          </p:val>
+                                        </p:tav>
+                                      </p:tavLst>
+                                    </p:anim>
+                                  </p:childTnLst>
+                                </p:cTn>
+                              </p:par>
+                              <p:par>
+                                <p:cTn id="35" presetID="2" presetClass="entr" presetSubtype="4" fill="hold" grpId="0" nodeType="withEffect">
+                                  <p:stCondLst>
+                                    <p:cond delay="0"/>
+                                  </p:stCondLst>
+                                  <p:childTnLst>
+                                    <p:set>
+                                      <p:cBhvr>
+                                        <p:cTn id="36" dur="1" fill="hold">
+                                          <p:stCondLst>
+                                            <p:cond delay="0"/>
+                                          </p:stCondLst>
+                                        </p:cTn>
+                                        <p:tgtEl>
+                                          <p:spTgt spid="44"/>
+                                        </p:tgtEl>
+                                        <p:attrNameLst>
+                                          <p:attrName>style.visibility</p:attrName>
+                                        </p:attrNameLst>
+                                      </p:cBhvr>
+                                      <p:to>
+                                        <p:strVal val="visible"/>
+                                      </p:to>
+                                    </p:set>
+                                    <p:anim calcmode="lin" valueType="num">
+                                      <p:cBhvr additive="base">
+                                        <p:cTn id="37" dur="500" fill="hold"/>
+                                        <p:tgtEl>
+                                          <p:spTgt spid="44"/>
+                                        </p:tgtEl>
+                                        <p:attrNameLst>
+                                          <p:attrName>ppt_x</p:attrName>
+                                        </p:attrNameLst>
+                                      </p:cBhvr>
+                                      <p:tavLst>
+                                        <p:tav tm="0">
+                                          <p:val>
+                                            <p:strVal val="#ppt_x"/>
+                                          </p:val>
+                                        </p:tav>
+                                        <p:tav tm="100000">
+                                          <p:val>
+                                            <p:strVal val="#ppt_x"/>
+                                          </p:val>
+                                        </p:tav>
+                                      </p:tavLst>
+                                    </p:anim>
+                                    <p:anim calcmode="lin" valueType="num">
+                                      <p:cBhvr additive="base">
+                                        <p:cTn id="38" dur="500" fill="hold"/>
+                                        <p:tgtEl>
+                                          <p:spTgt spid="44"/>
+                                        </p:tgtEl>
+                                        <p:attrNameLst>
+                                          <p:attrName>ppt_y</p:attrName>
+                                        </p:attrNameLst>
+                                      </p:cBhvr>
+                                      <p:tavLst>
+                                        <p:tav tm="0">
+                                          <p:val>
+                                            <p:strVal val="1+#ppt_h/2"/>
+                                          </p:val>
+                                        </p:tav>
+                                        <p:tav tm="100000">
+                                          <p:val>
+                                            <p:strVal val="#ppt_y"/>
+                                          </p:val>
+                                        </p:tav>
+                                      </p:tavLst>
+                                    </p:anim>
+                                  </p:childTnLst>
+                                </p:cTn>
+                              </p:par>
+                              <p:par>
+                                <p:cTn id="39" presetID="2" presetClass="entr" presetSubtype="4" fill="hold" nodeType="withEffect">
+                                  <p:stCondLst>
+                                    <p:cond delay="0"/>
+                                  </p:stCondLst>
+                                  <p:childTnLst>
+                                    <p:set>
+                                      <p:cBhvr>
+                                        <p:cTn id="40" dur="1" fill="hold">
                                           <p:stCondLst>
                                             <p:cond delay="0"/>
                                           </p:stCondLst>
@@ -16803,26 +17036,64 @@
                                         <p:strVal val="visible"/>
                                       </p:to>
                                     </p:set>
-                                    <p:animEffect transition="in" filter="fade">
-                                      <p:cBhvr>
-                                        <p:cTn id="31" dur="500"/>
+                                    <p:anim calcmode="lin" valueType="num">
+                                      <p:cBhvr additive="base">
+                                        <p:cTn id="41" dur="500" fill="hold"/>
                                         <p:tgtEl>
                                           <p:spTgt spid="11"/>
                                         </p:tgtEl>
+                                        <p:attrNameLst>
+                                          <p:attrName>ppt_x</p:attrName>
+                                        </p:attrNameLst>
                                       </p:cBhvr>
-                                    </p:animEffect>
+                                      <p:tavLst>
+                                        <p:tav tm="0">
+                                          <p:val>
+                                            <p:strVal val="#ppt_x"/>
+                                          </p:val>
+                                        </p:tav>
+                                        <p:tav tm="100000">
+                                          <p:val>
+                                            <p:strVal val="#ppt_x"/>
+                                          </p:val>
+                                        </p:tav>
+                                      </p:tavLst>
+                                    </p:anim>
+                                    <p:anim calcmode="lin" valueType="num">
+                                      <p:cBhvr additive="base">
+                                        <p:cTn id="42" dur="500" fill="hold"/>
+                                        <p:tgtEl>
+                                          <p:spTgt spid="11"/>
+                                        </p:tgtEl>
+                                        <p:attrNameLst>
+                                          <p:attrName>ppt_y</p:attrName>
+                                        </p:attrNameLst>
+                                      </p:cBhvr>
+                                      <p:tavLst>
+                                        <p:tav tm="0">
+                                          <p:val>
+                                            <p:strVal val="1+#ppt_h/2"/>
+                                          </p:val>
+                                        </p:tav>
+                                        <p:tav tm="100000">
+                                          <p:val>
+                                            <p:strVal val="#ppt_y"/>
+                                          </p:val>
+                                        </p:tav>
+                                      </p:tavLst>
+                                    </p:anim>
                                   </p:childTnLst>
                                 </p:cTn>
                               </p:par>
                               <p:par>
-                                <p:cTn id="32" presetID="10" presetClass="entr" presetSubtype="0" fill="hold" grpId="0" nodeType="withEffect">
+                                <p:cTn id="43" presetID="2" presetClass="entr" presetSubtype="4" fill="hold" grpId="0" nodeType="withEffect">
                                   <p:stCondLst>
                                     <p:cond delay="0"/>
                                   </p:stCondLst>
                                   <p:childTnLst>
                                     <p:set>
                                       <p:cBhvr>
-                                        <p:cTn id="33" dur="1" fill="hold">
+                                        <p:cTn id="44" dur="1" fill="hold">
                                           <p:stCondLst>
                                             <p:cond delay="0"/>
                                           </p:stCondLst>
@@ -16838,84 +17109,52 @@
                                         <p:strVal val="visible"/>
                                       </p:to>
                                     </p:set>
-                                    <p:animEffect transition="in" filter="fade">
-                                      <p:cBhvr>
-                                        <p:cTn id="34" dur="500"/>
+                                    <p:anim calcmode="lin" valueType="num">
+                                      <p:cBhvr additive="base">
+                                        <p:cTn id="45" dur="500" fill="hold"/>
                                         <p:tgtEl>
                                           <p:spTgt spid="45"/>
                                         </p:tgtEl>
+                                        <p:attrNameLst>
+                                          <p:attrName>ppt_x</p:attrName>
+                                        </p:attrNameLst>
                                       </p:cBhvr>
-                                    </p:animEffect>
-                                  </p:childTnLst>
-                                </p:cTn>
-                              </p:par>
-                              <p:par>
-                                <p:cTn id="35" presetID="10" presetClass="entr" presetSubtype="0" fill="hold" grpId="0" nodeType="withEffect">
-                                  <p:stCondLst>
-                                    <p:cond delay="0"/>
-                                  </p:stCondLst>
-                                  <p:childTnLst>
-                                    <p:set>
-                                      <p:cBhvr>
-                                        <p:cTn id="36" dur="1" fill="hold">
-                                          <p:stCondLst>
-                                            <p:cond delay="0"/>
-                                          </p:stCondLst>
-                                        </p:cTn>
+                                      <p:tavLst>
+                                        <p:tav tm="0">
+                                          <p:val>
+                                            <p:strVal val="#ppt_x"/>
+                                          </p:val>
+                                        </p:tav>
+                                        <p:tav tm="100000">
+                                          <p:val>
+                                            <p:strVal val="#ppt_x"/>
+                                          </p:val>
+                                        </p:tav>
+                                      </p:tavLst>
+                                    </p:anim>
+                                    <p:anim calcmode="lin" valueType="num">
+                                      <p:cBhvr additive="base">
+                                        <p:cTn id="46" dur="500" fill="hold"/>
                                         <p:tgtEl>
-                                          <p:spTgt spid="46"/>
+                                          <p:spTgt spid="45"/>
                                         </p:tgtEl>
                                         <p:attrNameLst>
-                                          <p:attrName>style.visibility</p:attrName>
+                                          <p:attrName>ppt_y</p:attrName>
                                         </p:attrNameLst>
                                       </p:cBhvr>
-                                      <p:to>
-                                        <p:strVal val="visible"/>
-                                      </p:to>
-                                    </p:set>
-                                    <p:animEffect transition="in" filter="fade">
-                                      <p:cBhvr>
-                                        <p:cTn id="37" dur="500"/>
-                                        <p:tgtEl>
-                                          <p:spTgt spid="46"/>
-                                        </p:tgtEl>
-                                      </p:cBhvr>
-                                    </p:animEffect>
-                                  </p:childTnLst>
-                                </p:cTn>
-                              </p:par>
-                              <p:par>
-                                <p:cTn id="38" presetID="10" presetClass="entr" presetSubtype="0" fill="hold" nodeType="withEffect">
-                                  <p:stCondLst>
-                                    <p:cond delay="0"/>
-                                  </p:stCondLst>
-                                  <p:childTnLst>
-                                    <p:set>
-                                      <p:cBhvr>
-                                        <p:cTn id="39" dur="1" fill="hold">
-                                          <p:stCondLst>
-                                            <p:cond delay="0"/>
-                                          </p:stCondLst>
-                                        </p:cTn>
-                                        <p:tgtEl>
-                                          <p:spTgt spid="12"/>
-                                        </p:tgtEl>
-                                        <p:attrNameLst>
-                                          <p:attrName>style.visibility</p:attrName>
-                                        </p:attrNameLst>
-                                      </p:cBhvr>
-                                      <p:to>
-                                        <p:strVal val="visible"/>
-                                      </p:to>
-                                    </p:set>
-                                    <p:animEffect transition="in" filter="fade">
-                                      <p:cBhvr>
-                                        <p:cTn id="40" dur="500"/>
-                                        <p:tgtEl>
-                                          <p:spTgt spid="12"/>
-                                        </p:tgtEl>
-                                      </p:cBhvr>
-                                    </p:animEffect>
+                                      <p:tavLst>
+                                        <p:tav tm="0">
+                                          <p:val>
+                                            <p:strVal val="1+#ppt_h/2"/>
+                                          </p:val>
+                                        </p:tav>
+                                        <p:tav tm="100000">
+                                          <p:val>
+                                            <p:strVal val="#ppt_y"/>
+                                          </p:val>
+                                        </p:tav>
+                                      </p:tavLst>
+                                    </p:anim>
                                   </p:childTnLst>
                                 </p:cTn>
                               </p:par>
@@ -16926,26 +17165,26 @@
                     </p:cTn>
                   </p:par>
                   <p:par>
-                    <p:cTn id="41" fill="hold">
+                    <p:cTn id="47" fill="hold">
                       <p:stCondLst>
                         <p:cond delay="indefinite"/>
                       </p:stCondLst>
                       <p:childTnLst>
                         <p:par>
-                          <p:cTn id="42" fill="hold">
+                          <p:cTn id="48" fill="hold">
                             <p:stCondLst>
                               <p:cond delay="0"/>
                             </p:stCondLst>
                             <p:childTnLst>
                               <p:par>
-                                <p:cTn id="43" presetID="42" presetClass="entr" presetSubtype="0" fill="hold" grpId="0" nodeType="clickEffect">
+                                <p:cTn id="49" presetID="42" presetClass="entr" presetSubtype="0" fill="hold" grpId="0" nodeType="clickEffect">
                                   <p:stCondLst>
                                     <p:cond delay="0"/>
                                   </p:stCondLst>
                                   <p:childTnLst>
                                     <p:set>
                                       <p:cBhvr>
-                                        <p:cTn id="44" dur="1" fill="hold">
+                                        <p:cTn id="50" dur="1" fill="hold">
                                           <p:stCondLst>
                                             <p:cond delay="0"/>
                                           </p:stCondLst>
@@ -16963,7 +17202,7 @@
                                     </p:set>
                                     <p:animEffect transition="in" filter="fade">
                                       <p:cBhvr>
-                                        <p:cTn id="45" dur="1000"/>
+                                        <p:cTn id="51" dur="1000"/>
                                         <p:tgtEl>
                                           <p:spTgt spid="55"/>
                                         </p:tgtEl>
@@ -16971,7 +17210,7 @@
                                     </p:animEffect>
                                     <p:anim calcmode="lin" valueType="num">
                                       <p:cBhvr>
-                                        <p:cTn id="46" dur="1000" fill="hold"/>
+                                        <p:cTn id="52" dur="1000" fill="hold"/>
                                         <p:tgtEl>
                                           <p:spTgt spid="55"/>
                                         </p:tgtEl>
@@ -16994,7 +17233,7 @@
                                     </p:anim>
                                     <p:anim calcmode="lin" valueType="num">
                                       <p:cBhvr>
-                                        <p:cTn id="47" dur="1000" fill="hold"/>
+                                        <p:cTn id="53" dur="1000" fill="hold"/>
                                         <p:tgtEl>
                                           <p:spTgt spid="55"/>
                                         </p:tgtEl>
@@ -17019,14 +17258,14 @@
                                 </p:cTn>
                               </p:par>
                               <p:par>
-                                <p:cTn id="48" presetID="42" presetClass="entr" presetSubtype="0" fill="hold" nodeType="withEffect">
+                                <p:cTn id="54" presetID="42" presetClass="entr" presetSubtype="0" fill="hold" nodeType="withEffect">
                                   <p:stCondLst>
                                     <p:cond delay="0"/>
                                   </p:stCondLst>
                                   <p:childTnLst>
                                     <p:set>
                                       <p:cBhvr>
-                                        <p:cTn id="49" dur="1" fill="hold">
+                                        <p:cTn id="55" dur="1" fill="hold">
                                           <p:stCondLst>
                                             <p:cond delay="0"/>
                                           </p:stCondLst>
@@ -17044,7 +17283,7 @@
                                     </p:set>
                                     <p:animEffect transition="in" filter="fade">
                                       <p:cBhvr>
-                                        <p:cTn id="50" dur="1000"/>
+                                        <p:cTn id="56" dur="1000"/>
                                         <p:tgtEl>
                                           <p:spTgt spid="31"/>
                                         </p:tgtEl>
@@ -17052,7 +17291,7 @@
                                     </p:animEffect>
                                     <p:anim calcmode="lin" valueType="num">
                                       <p:cBhvr>
-                                        <p:cTn id="51" dur="1000" fill="hold"/>
+                                        <p:cTn id="57" dur="1000" fill="hold"/>
                                         <p:tgtEl>
                                           <p:spTgt spid="31"/>
                                         </p:tgtEl>
@@ -17075,7 +17314,7 @@
                                     </p:anim>
                                     <p:anim calcmode="lin" valueType="num">
                                       <p:cBhvr>
-                                        <p:cTn id="52" dur="1000" fill="hold"/>
+                                        <p:cTn id="58" dur="1000" fill="hold"/>
                                         <p:tgtEl>
                                           <p:spTgt spid="31"/>
                                         </p:tgtEl>
@@ -17100,14 +17339,14 @@
                                 </p:cTn>
                               </p:par>
                               <p:par>
-                                <p:cTn id="53" presetID="42" presetClass="entr" presetSubtype="0" fill="hold" nodeType="withEffect">
+                                <p:cTn id="59" presetID="42" presetClass="entr" presetSubtype="0" fill="hold" nodeType="withEffect">
                                   <p:stCondLst>
                                     <p:cond delay="0"/>
                                   </p:stCondLst>
                                   <p:childTnLst>
                                     <p:set>
                                       <p:cBhvr>
-                                        <p:cTn id="54" dur="1" fill="hold">
+                                        <p:cTn id="60" dur="1" fill="hold">
                                           <p:stCondLst>
                                             <p:cond delay="0"/>
                                           </p:stCondLst>
@@ -17125,7 +17364,7 @@
                                     </p:set>
                                     <p:animEffect transition="in" filter="fade">
                                       <p:cBhvr>
-                                        <p:cTn id="55" dur="1000"/>
+                                        <p:cTn id="61" dur="1000"/>
                                         <p:tgtEl>
                                           <p:spTgt spid="53"/>
                                         </p:tgtEl>
@@ -17133,7 +17372,7 @@
                                     </p:animEffect>
                                     <p:anim calcmode="lin" valueType="num">
                                       <p:cBhvr>
-                                        <p:cTn id="56" dur="1000" fill="hold"/>
+                                        <p:cTn id="62" dur="1000" fill="hold"/>
                                         <p:tgtEl>
                                           <p:spTgt spid="53"/>
                                         </p:tgtEl>
@@ -17156,7 +17395,7 @@
                                     </p:anim>
                                     <p:anim calcmode="lin" valueType="num">
                                       <p:cBhvr>
-                                        <p:cTn id="57" dur="1000" fill="hold"/>
+                                        <p:cTn id="63" dur="1000" fill="hold"/>
                                         <p:tgtEl>
                                           <p:spTgt spid="53"/>
                                         </p:tgtEl>
@@ -17181,14 +17420,14 @@
                                 </p:cTn>
                               </p:par>
                               <p:par>
-                                <p:cTn id="58" presetID="42" presetClass="entr" presetSubtype="0" fill="hold" grpId="0" nodeType="withEffect">
+                                <p:cTn id="64" presetID="42" presetClass="entr" presetSubtype="0" fill="hold" grpId="0" nodeType="withEffect">
                                   <p:stCondLst>
                                     <p:cond delay="0"/>
                                   </p:stCondLst>
                                   <p:childTnLst>
                                     <p:set>
                                       <p:cBhvr>
-                                        <p:cTn id="59" dur="1" fill="hold">
+                                        <p:cTn id="65" dur="1" fill="hold">
                                           <p:stCondLst>
                                             <p:cond delay="0"/>
                                           </p:stCondLst>
@@ -17206,7 +17445,7 @@
                                     </p:set>
                                     <p:animEffect transition="in" filter="fade">
                                       <p:cBhvr>
-                                        <p:cTn id="60" dur="1000"/>
+                                        <p:cTn id="66" dur="1000"/>
                                         <p:tgtEl>
                                           <p:spTgt spid="57"/>
                                         </p:tgtEl>
@@ -17214,7 +17453,7 @@
                                     </p:animEffect>
                                     <p:anim calcmode="lin" valueType="num">
                                       <p:cBhvr>
-                                        <p:cTn id="61" dur="1000" fill="hold"/>
+                                        <p:cTn id="67" dur="1000" fill="hold"/>
                                         <p:tgtEl>
                                           <p:spTgt spid="57"/>
                                         </p:tgtEl>
@@ -17237,7 +17476,7 @@
                                     </p:anim>
                                     <p:anim calcmode="lin" valueType="num">
                                       <p:cBhvr>
-                                        <p:cTn id="62" dur="1000" fill="hold"/>
+                                        <p:cTn id="68" dur="1000" fill="hold"/>
                                         <p:tgtEl>
                                           <p:spTgt spid="57"/>
                                         </p:tgtEl>
@@ -17262,14 +17501,14 @@
                                 </p:cTn>
                               </p:par>
                               <p:par>
-                                <p:cTn id="63" presetID="42" presetClass="entr" presetSubtype="0" fill="hold" nodeType="withEffect">
+                                <p:cTn id="69" presetID="42" presetClass="entr" presetSubtype="0" fill="hold" nodeType="withEffect">
                                   <p:stCondLst>
                                     <p:cond delay="0"/>
                                   </p:stCondLst>
                                   <p:childTnLst>
                                     <p:set>
                                       <p:cBhvr>
-                                        <p:cTn id="64" dur="1" fill="hold">
+                                        <p:cTn id="70" dur="1" fill="hold">
                                           <p:stCondLst>
                                             <p:cond delay="0"/>
                                           </p:stCondLst>
@@ -17287,7 +17526,7 @@
                                     </p:set>
                                     <p:animEffect transition="in" filter="fade">
                                       <p:cBhvr>
-                                        <p:cTn id="65" dur="1000"/>
+                                        <p:cTn id="71" dur="1000"/>
                                         <p:tgtEl>
                                           <p:spTgt spid="15"/>
                                         </p:tgtEl>
@@ -17295,7 +17534,7 @@
                                     </p:animEffect>
                                     <p:anim calcmode="lin" valueType="num">
                                       <p:cBhvr>
-                                        <p:cTn id="66" dur="1000" fill="hold"/>
+                                        <p:cTn id="72" dur="1000" fill="hold"/>
                                         <p:tgtEl>
                                           <p:spTgt spid="15"/>
                                         </p:tgtEl>
@@ -17318,7 +17557,7 @@
                                     </p:anim>
                                     <p:anim calcmode="lin" valueType="num">
                                       <p:cBhvr>
-                                        <p:cTn id="67" dur="1000" fill="hold"/>
+                                        <p:cTn id="73" dur="1000" fill="hold"/>
                                         <p:tgtEl>
                                           <p:spTgt spid="15"/>
                                         </p:tgtEl>
@@ -17343,14 +17582,14 @@
                                 </p:cTn>
                               </p:par>
                               <p:par>
-                                <p:cTn id="68" presetID="42" presetClass="entr" presetSubtype="0" fill="hold" nodeType="withEffect">
+                                <p:cTn id="74" presetID="42" presetClass="entr" presetSubtype="0" fill="hold" nodeType="withEffect">
                                   <p:stCondLst>
                                     <p:cond delay="0"/>
                                   </p:stCondLst>
                                   <p:childTnLst>
                                     <p:set>
                                       <p:cBhvr>
-                                        <p:cTn id="69" dur="1" fill="hold">
+                                        <p:cTn id="75" dur="1" fill="hold">
                                           <p:stCondLst>
                                             <p:cond delay="0"/>
                                           </p:stCondLst>
@@ -17368,7 +17607,7 @@
                                     </p:set>
                                     <p:animEffect transition="in" filter="fade">
                                       <p:cBhvr>
-                                        <p:cTn id="70" dur="1000"/>
+                                        <p:cTn id="76" dur="1000"/>
                                         <p:tgtEl>
                                           <p:spTgt spid="18"/>
                                         </p:tgtEl>
@@ -17376,7 +17615,7 @@
                                     </p:animEffect>
                                     <p:anim calcmode="lin" valueType="num">
                                       <p:cBhvr>
-                                        <p:cTn id="71" dur="1000" fill="hold"/>
+                                        <p:cTn id="77" dur="1000" fill="hold"/>
                                         <p:tgtEl>
                                           <p:spTgt spid="18"/>
                                         </p:tgtEl>
@@ -17399,7 +17638,7 @@
                                     </p:anim>
                                     <p:anim calcmode="lin" valueType="num">
                                       <p:cBhvr>
-                                        <p:cTn id="72" dur="1000" fill="hold"/>
+                                        <p:cTn id="78" dur="1000" fill="hold"/>
                                         <p:tgtEl>
                                           <p:spTgt spid="18"/>
                                         </p:tgtEl>
@@ -17424,14 +17663,14 @@
                                 </p:cTn>
                               </p:par>
                               <p:par>
-                                <p:cTn id="73" presetID="42" presetClass="entr" presetSubtype="0" fill="hold" nodeType="withEffect">
+                                <p:cTn id="79" presetID="42" presetClass="entr" presetSubtype="0" fill="hold" nodeType="withEffect">
                                   <p:stCondLst>
                                     <p:cond delay="0"/>
                                   </p:stCondLst>
                                   <p:childTnLst>
                                     <p:set>
                                       <p:cBhvr>
-                                        <p:cTn id="74" dur="1" fill="hold">
+                                        <p:cTn id="80" dur="1" fill="hold">
                                           <p:stCondLst>
                                             <p:cond delay="0"/>
                                           </p:stCondLst>
@@ -17449,7 +17688,7 @@
                                     </p:set>
                                     <p:animEffect transition="in" filter="fade">
                                       <p:cBhvr>
-                                        <p:cTn id="75" dur="1000"/>
+                                        <p:cTn id="81" dur="1000"/>
                                         <p:tgtEl>
                                           <p:spTgt spid="28"/>
                                         </p:tgtEl>
@@ -17457,7 +17696,7 @@
                                     </p:animEffect>
                                     <p:anim calcmode="lin" valueType="num">
                                       <p:cBhvr>
-                                        <p:cTn id="76" dur="1000" fill="hold"/>
+                                        <p:cTn id="82" dur="1000" fill="hold"/>
                                         <p:tgtEl>
                                           <p:spTgt spid="28"/>
                                         </p:tgtEl>
@@ -17480,7 +17719,7 @@
                                     </p:anim>
                                     <p:anim calcmode="lin" valueType="num">
                                       <p:cBhvr>
-                                        <p:cTn id="77" dur="1000" fill="hold"/>
+                                        <p:cTn id="83" dur="1000" fill="hold"/>
                                         <p:tgtEl>
                                           <p:spTgt spid="28"/>
                                         </p:tgtEl>
@@ -17505,14 +17744,14 @@
                                 </p:cTn>
                               </p:par>
                               <p:par>
-                                <p:cTn id="78" presetID="42" presetClass="entr" presetSubtype="0" fill="hold" nodeType="withEffect">
+                                <p:cTn id="84" presetID="42" presetClass="entr" presetSubtype="0" fill="hold" nodeType="withEffect">
                                   <p:stCondLst>
                                     <p:cond delay="0"/>
                                   </p:stCondLst>
                                   <p:childTnLst>
                                     <p:set>
                                       <p:cBhvr>
-                                        <p:cTn id="79" dur="1" fill="hold">
+                                        <p:cTn id="85" dur="1" fill="hold">
                                           <p:stCondLst>
                                             <p:cond delay="0"/>
                                           </p:stCondLst>
@@ -17530,7 +17769,7 @@
                                     </p:set>
                                     <p:animEffect transition="in" filter="fade">
                                       <p:cBhvr>
-                                        <p:cTn id="80" dur="1000"/>
+                                        <p:cTn id="86" dur="1000"/>
                                         <p:tgtEl>
                                           <p:spTgt spid="36"/>
                                         </p:tgtEl>
@@ -17538,7 +17777,7 @@
                                     </p:animEffect>
                                     <p:anim calcmode="lin" valueType="num">
                                       <p:cBhvr>
-                                        <p:cTn id="81" dur="1000" fill="hold"/>
+                                        <p:cTn id="87" dur="1000" fill="hold"/>
                                         <p:tgtEl>
                                           <p:spTgt spid="36"/>
                                         </p:tgtEl>
@@ -17561,7 +17800,7 @@
                                     </p:anim>
                                     <p:anim calcmode="lin" valueType="num">
                                       <p:cBhvr>
-                                        <p:cTn id="82" dur="1000" fill="hold"/>
+                                        <p:cTn id="88" dur="1000" fill="hold"/>
                                         <p:tgtEl>
                                           <p:spTgt spid="36"/>
                                         </p:tgtEl>
@@ -17592,26 +17831,26 @@
                     </p:cTn>
                   </p:par>
                   <p:par>
-                    <p:cTn id="83" fill="hold">
+                    <p:cTn id="89" fill="hold">
                       <p:stCondLst>
                         <p:cond delay="indefinite"/>
                       </p:stCondLst>
                       <p:childTnLst>
                         <p:par>
-                          <p:cTn id="84" fill="hold">
+                          <p:cTn id="90" fill="hold">
                             <p:stCondLst>
                               <p:cond delay="0"/>
                             </p:stCondLst>
                             <p:childTnLst>
                               <p:par>
-                                <p:cTn id="85" presetID="21" presetClass="entr" presetSubtype="1" fill="hold" grpId="0" nodeType="clickEffect">
+                                <p:cTn id="91" presetID="21" presetClass="entr" presetSubtype="1" fill="hold" grpId="0" nodeType="clickEffect">
                                   <p:stCondLst>
                                     <p:cond delay="0"/>
                                   </p:stCondLst>
                                   <p:childTnLst>
                                     <p:set>
                                       <p:cBhvr>
-                                        <p:cTn id="86" dur="1" fill="hold">
+                                        <p:cTn id="92" dur="1" fill="hold">
                                           <p:stCondLst>
                                             <p:cond delay="0"/>
                                           </p:stCondLst>
@@ -17629,7 +17868,7 @@
                                     </p:set>
                                     <p:animEffect transition="in" filter="wheel(1)">
                                       <p:cBhvr>
-                                        <p:cTn id="87" dur="2000"/>
+                                        <p:cTn id="93" dur="2000"/>
                                         <p:tgtEl>
                                           <p:spTgt spid="51"/>
                                         </p:tgtEl>
@@ -17831,7 +18070,45 @@
                 <a:ea typeface="Arial Unicode MS"/>
                 <a:cs typeface="+mn-cs"/>
               </a:rPr>
-              <a:t>3. Các yêu cầu</a:t>
+              <a:t>3. </a:t>
+            </a:r>
+            <a:r>
+              <a:rPr kumimoji="0" lang="en-US" sz="3600" b="0" i="0" u="none" strike="noStrike" kern="1200" cap="none" spc="0" normalizeH="0" baseline="0" noProof="0" smtClean="0">
+                <a:ln>
+                  <a:noFill/>
+                </a:ln>
+                <a:solidFill>
+                  <a:srgbClr val="5B9BD5">
+                    <a:lumMod val="75000"/>
+                  </a:srgbClr>
+                </a:solidFill>
+                <a:effectLst/>
+                <a:uLnTx/>
+                <a:uFillTx/>
+                <a:latin typeface="iCiel Panton Black" panose="00000A00000000000000" pitchFamily="50" charset="0"/>
+                <a:ea typeface="Arial Unicode MS"/>
+                <a:cs typeface="+mn-cs"/>
+              </a:rPr>
+              <a:t>CÁC</a:t>
+            </a:r>
+            <a:r>
+              <a:rPr kumimoji="0" lang="en-US" sz="3600" b="0" i="0" u="none" strike="noStrike" kern="1200" cap="none" spc="0" normalizeH="0" noProof="0" smtClean="0">
+                <a:ln>
+                  <a:noFill/>
+                </a:ln>
+                <a:solidFill>
+                  <a:srgbClr val="5B9BD5">
+                    <a:lumMod val="75000"/>
+                  </a:srgbClr>
+                </a:solidFill>
+                <a:effectLst/>
+                <a:uLnTx/>
+                <a:uFillTx/>
+                <a:latin typeface="iCiel Panton Black" panose="00000A00000000000000" pitchFamily="50" charset="0"/>
+                <a:ea typeface="Arial Unicode MS"/>
+                <a:cs typeface="+mn-cs"/>
+              </a:rPr>
+              <a:t> YÊU CẦU</a:t>
             </a:r>
             <a:endParaRPr kumimoji="0" lang="en-US" sz="3600" b="0" i="0" u="none" strike="noStrike" kern="1200" cap="none" spc="0" normalizeH="0" baseline="0" noProof="0">
               <a:ln>
@@ -20654,7 +20931,7 @@
                 <a:ea typeface="Arial Unicode MS"/>
                 <a:cs typeface="+mn-cs"/>
               </a:rPr>
-              <a:t>Các</a:t>
+              <a:t>CÁC</a:t>
             </a:r>
             <a:r>
               <a:rPr kumimoji="0" lang="en-US" sz="3600" b="0" i="0" u="none" strike="noStrike" kern="1200" cap="none" spc="0" normalizeH="0" noProof="0" smtClean="0">
@@ -20673,7 +20950,7 @@
                 <a:ea typeface="Arial Unicode MS"/>
                 <a:cs typeface="+mn-cs"/>
               </a:rPr>
-              <a:t> chức năng chính</a:t>
+              <a:t> CHỨC NĂNG CHÍNH</a:t>
             </a:r>
             <a:endParaRPr kumimoji="0" lang="en-US" sz="3600" b="0" i="0" u="none" strike="noStrike" kern="1200" cap="none" spc="0" normalizeH="0" baseline="0" noProof="0">
               <a:ln>
@@ -20918,7 +21195,7 @@
         <p:spPr>
           <a:xfrm>
             <a:off x="8204860" y="2566420"/>
-            <a:ext cx="3333750" cy="2759602"/>
+            <a:ext cx="3333750" cy="3055965"/>
           </a:xfrm>
           <a:prstGeom prst="rect">
             <a:avLst/>
@@ -20949,6 +21226,22 @@
               <a:t>thuốc</a:t>
             </a:r>
             <a:endParaRPr lang="en-US" smtClean="0"/>
+          </a:p>
+          <a:p>
+            <a:pPr marL="285750" indent="-285750">
+              <a:lnSpc>
+                <a:spcPct val="107000"/>
+              </a:lnSpc>
+              <a:buFont typeface="Courier New" panose="02070309020205020404" pitchFamily="49" charset="0"/>
+              <a:buChar char="o"/>
+              <a:tabLst>
+                <a:tab pos="457200" algn="l"/>
+              </a:tabLst>
+            </a:pPr>
+            <a:r>
+              <a:rPr lang="en-US" smtClean="0"/>
+              <a:t>Quản lý giỏ hàng</a:t>
+            </a:r>
           </a:p>
           <a:p>
             <a:pPr marL="285750" lvl="0" indent="-285750">
@@ -21444,7 +21737,19 @@
                 <a:latin typeface="iCiel Panton Black" panose="00000A00000000000000" pitchFamily="50" charset="0"/>
                 <a:ea typeface="Arial Unicode MS"/>
               </a:rPr>
-              <a:t>2. Phân tích hệ thống – dữ liệu</a:t>
+              <a:t>2. </a:t>
+            </a:r>
+            <a:r>
+              <a:rPr lang="en-US" sz="3600" noProof="0" smtClean="0">
+                <a:solidFill>
+                  <a:srgbClr val="5B9BD5">
+                    <a:lumMod val="75000"/>
+                  </a:srgbClr>
+                </a:solidFill>
+                <a:latin typeface="iCiel Panton Black" panose="00000A00000000000000" pitchFamily="50" charset="0"/>
+                <a:ea typeface="Arial Unicode MS"/>
+              </a:rPr>
+              <a:t>PHÂN TÍCH HỆ THỐNG – DỮ LIỆU</a:t>
             </a:r>
             <a:endParaRPr kumimoji="0" lang="en-US" sz="3600" b="0" i="0" u="none" strike="noStrike" kern="1200" cap="none" spc="0" normalizeH="0" baseline="0" noProof="0">
               <a:ln>

--- a/FINAL/THUCTAP-PPT-OFF.pptx
+++ b/FINAL/THUCTAP-PPT-OFF.pptx
@@ -5,7 +5,7 @@
     <p:sldMasterId id="2147483660" r:id="rId1"/>
   </p:sldMasterIdLst>
   <p:notesMasterIdLst>
-    <p:notesMasterId r:id="rId17"/>
+    <p:notesMasterId r:id="rId18"/>
   </p:notesMasterIdLst>
   <p:sldIdLst>
     <p:sldId id="257" r:id="rId2"/>
@@ -15,14 +15,15 @@
     <p:sldId id="262" r:id="rId6"/>
     <p:sldId id="263" r:id="rId7"/>
     <p:sldId id="266" r:id="rId8"/>
-    <p:sldId id="267" r:id="rId9"/>
-    <p:sldId id="306" r:id="rId10"/>
-    <p:sldId id="305" r:id="rId11"/>
-    <p:sldId id="272" r:id="rId12"/>
-    <p:sldId id="273" r:id="rId13"/>
-    <p:sldId id="275" r:id="rId14"/>
-    <p:sldId id="304" r:id="rId15"/>
-    <p:sldId id="285" r:id="rId16"/>
+    <p:sldId id="307" r:id="rId9"/>
+    <p:sldId id="267" r:id="rId10"/>
+    <p:sldId id="306" r:id="rId11"/>
+    <p:sldId id="305" r:id="rId12"/>
+    <p:sldId id="272" r:id="rId13"/>
+    <p:sldId id="273" r:id="rId14"/>
+    <p:sldId id="275" r:id="rId15"/>
+    <p:sldId id="304" r:id="rId16"/>
+    <p:sldId id="285" r:id="rId17"/>
   </p:sldIdLst>
   <p:sldSz cx="12192000" cy="6858000"/>
   <p:notesSz cx="6858000" cy="9144000"/>
@@ -211,7 +212,7 @@
           <a:p>
             <a:fld id="{CE34450B-4D28-42F6-935D-2E5F114867AA}" type="datetimeFigureOut">
               <a:rPr lang="en-US" smtClean="0"/>
-              <a:t>5/2/2023</a:t>
+              <a:t>5/10/2023</a:t>
             </a:fld>
             <a:endParaRPr lang="en-US"/>
           </a:p>
@@ -1023,7 +1024,7 @@
                 <a:tabLst/>
                 <a:defRPr/>
               </a:pPr>
-              <a:t>13</a:t>
+              <a:t>14</a:t>
             </a:fld>
             <a:endParaRPr kumimoji="0" lang="ko-KR" altLang="en-US" sz="1200" b="0" i="0" u="none" strike="noStrike" kern="1200" cap="none" spc="0" normalizeH="0" baseline="0" noProof="0">
               <a:ln>
@@ -1091,7 +1092,7 @@
           <a:blip r:embed="rId3">
             <a:extLst>
               <a:ext uri="{96DAC541-7B7A-43D3-8B79-37D633B846F1}">
-                <asvg:svgBlip xmlns="" xmlns:asvg="http://schemas.microsoft.com/office/drawing/2016/SVG/main" r:embed="rId4"/>
+                <asvg:svgBlip xmlns:asvg="http://schemas.microsoft.com/office/drawing/2016/SVG/main" xmlns="" r:embed="rId4"/>
               </a:ext>
             </a:extLst>
           </a:blip>
@@ -1324,7 +1325,7 @@
           <a:blip r:embed="rId3">
             <a:extLst>
               <a:ext uri="{96DAC541-7B7A-43D3-8B79-37D633B846F1}">
-                <asvg:svgBlip xmlns="" xmlns:asvg="http://schemas.microsoft.com/office/drawing/2016/SVG/main" r:embed="rId4"/>
+                <asvg:svgBlip xmlns:asvg="http://schemas.microsoft.com/office/drawing/2016/SVG/main" xmlns="" r:embed="rId4"/>
               </a:ext>
             </a:extLst>
           </a:blip>
@@ -1520,7 +1521,7 @@
           <a:blip r:embed="rId3">
             <a:extLst>
               <a:ext uri="{96DAC541-7B7A-43D3-8B79-37D633B846F1}">
-                <asvg:svgBlip xmlns="" xmlns:asvg="http://schemas.microsoft.com/office/drawing/2016/SVG/main" r:embed="rId4"/>
+                <asvg:svgBlip xmlns:asvg="http://schemas.microsoft.com/office/drawing/2016/SVG/main" xmlns="" r:embed="rId4"/>
               </a:ext>
             </a:extLst>
           </a:blip>
@@ -1850,7 +1851,7 @@
           <a:blip r:embed="rId4">
             <a:extLst>
               <a:ext uri="{96DAC541-7B7A-43D3-8B79-37D633B846F1}">
-                <asvg:svgBlip xmlns="" xmlns:asvg="http://schemas.microsoft.com/office/drawing/2016/SVG/main" r:embed="rId5"/>
+                <asvg:svgBlip xmlns:asvg="http://schemas.microsoft.com/office/drawing/2016/SVG/main" xmlns="" r:embed="rId5"/>
               </a:ext>
             </a:extLst>
           </a:blip>
@@ -2068,7 +2069,7 @@
           <a:blip r:embed="rId3">
             <a:extLst>
               <a:ext uri="{96DAC541-7B7A-43D3-8B79-37D633B846F1}">
-                <asvg:svgBlip xmlns="" xmlns:asvg="http://schemas.microsoft.com/office/drawing/2016/SVG/main" r:embed="rId4"/>
+                <asvg:svgBlip xmlns:asvg="http://schemas.microsoft.com/office/drawing/2016/SVG/main" xmlns="" r:embed="rId4"/>
               </a:ext>
             </a:extLst>
           </a:blip>
@@ -2482,7 +2483,7 @@
           <a:blip r:embed="rId3">
             <a:extLst>
               <a:ext uri="{96DAC541-7B7A-43D3-8B79-37D633B846F1}">
-                <asvg:svgBlip xmlns="" xmlns:asvg="http://schemas.microsoft.com/office/drawing/2016/SVG/main" r:embed="rId4"/>
+                <asvg:svgBlip xmlns:asvg="http://schemas.microsoft.com/office/drawing/2016/SVG/main" xmlns="" r:embed="rId4"/>
               </a:ext>
             </a:extLst>
           </a:blip>
@@ -2852,7 +2853,7 @@
           <a:blip r:embed="rId3">
             <a:extLst>
               <a:ext uri="{96DAC541-7B7A-43D3-8B79-37D633B846F1}">
-                <asvg:svgBlip xmlns="" xmlns:asvg="http://schemas.microsoft.com/office/drawing/2016/SVG/main" r:embed="rId4"/>
+                <asvg:svgBlip xmlns:asvg="http://schemas.microsoft.com/office/drawing/2016/SVG/main" xmlns="" r:embed="rId4"/>
               </a:ext>
             </a:extLst>
           </a:blip>
@@ -3113,7 +3114,7 @@
           <a:blip r:embed="rId3">
             <a:extLst>
               <a:ext uri="{96DAC541-7B7A-43D3-8B79-37D633B846F1}">
-                <asvg:svgBlip xmlns="" xmlns:asvg="http://schemas.microsoft.com/office/drawing/2016/SVG/main" r:embed="rId4"/>
+                <asvg:svgBlip xmlns:asvg="http://schemas.microsoft.com/office/drawing/2016/SVG/main" xmlns="" r:embed="rId4"/>
               </a:ext>
             </a:extLst>
           </a:blip>
@@ -3374,7 +3375,7 @@
           <a:blip r:embed="rId3">
             <a:extLst>
               <a:ext uri="{96DAC541-7B7A-43D3-8B79-37D633B846F1}">
-                <asvg:svgBlip xmlns="" xmlns:asvg="http://schemas.microsoft.com/office/drawing/2016/SVG/main" r:embed="rId4"/>
+                <asvg:svgBlip xmlns:asvg="http://schemas.microsoft.com/office/drawing/2016/SVG/main" xmlns="" r:embed="rId4"/>
               </a:ext>
             </a:extLst>
           </a:blip>
@@ -3734,7 +3735,7 @@
           <a:blip r:embed="rId4">
             <a:extLst>
               <a:ext uri="{96DAC541-7B7A-43D3-8B79-37D633B846F1}">
-                <asvg:svgBlip xmlns="" xmlns:asvg="http://schemas.microsoft.com/office/drawing/2016/SVG/main" r:embed="rId5"/>
+                <asvg:svgBlip xmlns:asvg="http://schemas.microsoft.com/office/drawing/2016/SVG/main" xmlns="" r:embed="rId5"/>
               </a:ext>
             </a:extLst>
           </a:blip>
@@ -4126,7 +4127,7 @@
           <a:blip r:embed="rId3">
             <a:extLst>
               <a:ext uri="{96DAC541-7B7A-43D3-8B79-37D633B846F1}">
-                <asvg:svgBlip xmlns="" xmlns:asvg="http://schemas.microsoft.com/office/drawing/2016/SVG/main" r:embed="rId4"/>
+                <asvg:svgBlip xmlns:asvg="http://schemas.microsoft.com/office/drawing/2016/SVG/main" xmlns="" r:embed="rId4"/>
               </a:ext>
             </a:extLst>
           </a:blip>
@@ -4384,7 +4385,7 @@
           <a:blip r:embed="rId3">
             <a:extLst>
               <a:ext uri="{96DAC541-7B7A-43D3-8B79-37D633B846F1}">
-                <asvg:svgBlip xmlns="" xmlns:asvg="http://schemas.microsoft.com/office/drawing/2016/SVG/main" r:embed="rId4"/>
+                <asvg:svgBlip xmlns:asvg="http://schemas.microsoft.com/office/drawing/2016/SVG/main" xmlns="" r:embed="rId4"/>
               </a:ext>
             </a:extLst>
           </a:blip>
@@ -4582,7 +4583,7 @@
           <a:blip r:embed="rId3">
             <a:extLst>
               <a:ext uri="{96DAC541-7B7A-43D3-8B79-37D633B846F1}">
-                <asvg:svgBlip xmlns="" xmlns:asvg="http://schemas.microsoft.com/office/drawing/2016/SVG/main" r:embed="rId4"/>
+                <asvg:svgBlip xmlns:asvg="http://schemas.microsoft.com/office/drawing/2016/SVG/main" xmlns="" r:embed="rId4"/>
               </a:ext>
             </a:extLst>
           </a:blip>
@@ -4708,7 +4709,7 @@
           <a:blip r:embed="rId3">
             <a:extLst>
               <a:ext uri="{96DAC541-7B7A-43D3-8B79-37D633B846F1}">
-                <asvg:svgBlip xmlns="" xmlns:asvg="http://schemas.microsoft.com/office/drawing/2016/SVG/main" r:embed="rId4"/>
+                <asvg:svgBlip xmlns:asvg="http://schemas.microsoft.com/office/drawing/2016/SVG/main" xmlns="" r:embed="rId4"/>
               </a:ext>
             </a:extLst>
           </a:blip>
@@ -4834,7 +4835,7 @@
           <a:blip r:embed="rId3">
             <a:extLst>
               <a:ext uri="{96DAC541-7B7A-43D3-8B79-37D633B846F1}">
-                <asvg:svgBlip xmlns="" xmlns:asvg="http://schemas.microsoft.com/office/drawing/2016/SVG/main" r:embed="rId4"/>
+                <asvg:svgBlip xmlns:asvg="http://schemas.microsoft.com/office/drawing/2016/SVG/main" xmlns="" r:embed="rId4"/>
               </a:ext>
             </a:extLst>
           </a:blip>
@@ -5032,7 +5033,7 @@
           <a:blip r:embed="rId3">
             <a:extLst>
               <a:ext uri="{96DAC541-7B7A-43D3-8B79-37D633B846F1}">
-                <asvg:svgBlip xmlns="" xmlns:asvg="http://schemas.microsoft.com/office/drawing/2016/SVG/main" r:embed="rId4"/>
+                <asvg:svgBlip xmlns:asvg="http://schemas.microsoft.com/office/drawing/2016/SVG/main" xmlns="" r:embed="rId4"/>
               </a:ext>
             </a:extLst>
           </a:blip>
@@ -5266,7 +5267,7 @@
           <a:blip r:embed="rId3">
             <a:extLst>
               <a:ext uri="{96DAC541-7B7A-43D3-8B79-37D633B846F1}">
-                <asvg:svgBlip xmlns="" xmlns:asvg="http://schemas.microsoft.com/office/drawing/2016/SVG/main" r:embed="rId4"/>
+                <asvg:svgBlip xmlns:asvg="http://schemas.microsoft.com/office/drawing/2016/SVG/main" xmlns="" r:embed="rId4"/>
               </a:ext>
             </a:extLst>
           </a:blip>
@@ -5464,7 +5465,7 @@
           <a:blip r:embed="rId3">
             <a:extLst>
               <a:ext uri="{96DAC541-7B7A-43D3-8B79-37D633B846F1}">
-                <asvg:svgBlip xmlns="" xmlns:asvg="http://schemas.microsoft.com/office/drawing/2016/SVG/main" r:embed="rId4"/>
+                <asvg:svgBlip xmlns:asvg="http://schemas.microsoft.com/office/drawing/2016/SVG/main" xmlns="" r:embed="rId4"/>
               </a:ext>
             </a:extLst>
           </a:blip>
@@ -5662,7 +5663,7 @@
           <a:blip r:embed="rId3">
             <a:extLst>
               <a:ext uri="{96DAC541-7B7A-43D3-8B79-37D633B846F1}">
-                <asvg:svgBlip xmlns="" xmlns:asvg="http://schemas.microsoft.com/office/drawing/2016/SVG/main" r:embed="rId4"/>
+                <asvg:svgBlip xmlns:asvg="http://schemas.microsoft.com/office/drawing/2016/SVG/main" xmlns="" r:embed="rId4"/>
               </a:ext>
             </a:extLst>
           </a:blip>
@@ -5858,7 +5859,7 @@
           <a:blip r:embed="rId3">
             <a:extLst>
               <a:ext uri="{96DAC541-7B7A-43D3-8B79-37D633B846F1}">
-                <asvg:svgBlip xmlns="" xmlns:asvg="http://schemas.microsoft.com/office/drawing/2016/SVG/main" r:embed="rId4"/>
+                <asvg:svgBlip xmlns:asvg="http://schemas.microsoft.com/office/drawing/2016/SVG/main" xmlns="" r:embed="rId4"/>
               </a:ext>
             </a:extLst>
           </a:blip>
@@ -6056,7 +6057,7 @@
           <a:blip r:embed="rId3">
             <a:extLst>
               <a:ext uri="{96DAC541-7B7A-43D3-8B79-37D633B846F1}">
-                <asvg:svgBlip xmlns="" xmlns:asvg="http://schemas.microsoft.com/office/drawing/2016/SVG/main" r:embed="rId4"/>
+                <asvg:svgBlip xmlns:asvg="http://schemas.microsoft.com/office/drawing/2016/SVG/main" xmlns="" r:embed="rId4"/>
               </a:ext>
             </a:extLst>
           </a:blip>
@@ -7529,14 +7530,92 @@
       </p:grpSpPr>
       <p:sp>
         <p:nvSpPr>
+          <p:cNvPr id="3" name="직사각형 5">
+            <a:extLst>
+              <a:ext uri="{FF2B5EF4-FFF2-40B4-BE49-F238E27FC236}">
+                <a16:creationId xmlns:a16="http://schemas.microsoft.com/office/drawing/2014/main" id="{FF554DC2-BA96-4481-96E1-7C3432A3BF15}"/>
+              </a:ext>
+            </a:extLst>
+          </p:cNvPr>
+          <p:cNvSpPr/>
+          <p:nvPr/>
+        </p:nvSpPr>
+        <p:spPr>
+          <a:xfrm>
+            <a:off x="400050" y="0"/>
+            <a:ext cx="1771650" cy="1446550"/>
+          </a:xfrm>
+          <a:prstGeom prst="rect">
+            <a:avLst/>
+          </a:prstGeom>
+        </p:spPr>
+        <p:txBody>
+          <a:bodyPr wrap="square" anchor="ctr" anchorCtr="0">
+            <a:spAutoFit/>
+          </a:bodyPr>
+          <a:lstStyle/>
+          <a:p>
+            <a:pPr marL="0" marR="0" lvl="0" indent="0" algn="l" defTabSz="914400" rtl="0" eaLnBrk="1" fontAlgn="auto" latinLnBrk="1" hangingPunct="1">
+              <a:lnSpc>
+                <a:spcPct val="100000"/>
+              </a:lnSpc>
+              <a:spcBef>
+                <a:spcPts val="0"/>
+              </a:spcBef>
+              <a:spcAft>
+                <a:spcPts val="0"/>
+              </a:spcAft>
+              <a:buClrTx/>
+              <a:buSzTx/>
+              <a:buFontTx/>
+              <a:buNone/>
+              <a:tabLst/>
+              <a:defRPr/>
+            </a:pPr>
+            <a:r>
+              <a:rPr kumimoji="0" lang="en-US" altLang="ko-KR" sz="8800" b="0" i="0" u="none" strike="noStrike" kern="1200" cap="none" spc="0" normalizeH="0" baseline="0" noProof="0" smtClean="0">
+                <a:ln>
+                  <a:noFill/>
+                </a:ln>
+                <a:solidFill>
+                  <a:prstClr val="white"/>
+                </a:solidFill>
+                <a:effectLst/>
+                <a:uLnTx/>
+                <a:uFillTx/>
+                <a:latin typeface="Poppins SemiBold"/>
+                <a:ea typeface="Arial Unicode MS"/>
+                <a:cs typeface="+mn-cs"/>
+              </a:rPr>
+              <a:t>02.</a:t>
+            </a:r>
+            <a:endParaRPr kumimoji="0" lang="ko-KR" altLang="en-US" sz="8800" b="0" i="0" u="none" strike="noStrike" kern="1200" cap="none" spc="0" normalizeH="0" baseline="0" noProof="0" dirty="0">
+              <a:ln>
+                <a:noFill/>
+              </a:ln>
+              <a:solidFill>
+                <a:prstClr val="white"/>
+              </a:solidFill>
+              <a:effectLst/>
+              <a:uLnTx/>
+              <a:uFillTx/>
+              <a:latin typeface="Poppins SemiBold"/>
+              <a:ea typeface="Arial Unicode MS"/>
+              <a:cs typeface="+mn-cs"/>
+            </a:endParaRPr>
+          </a:p>
+        </p:txBody>
+      </p:sp>
+      <p:sp>
+        <p:nvSpPr>
           <p:cNvPr id="4" name="TextBox 3"/>
           <p:cNvSpPr txBox="1"/>
           <p:nvPr/>
         </p:nvSpPr>
         <p:spPr>
           <a:xfrm>
-            <a:off x="3276600" y="461665"/>
-            <a:ext cx="7693252" cy="646331"/>
+            <a:off x="3276598" y="461665"/>
+            <a:ext cx="8439152" cy="646331"/>
           </a:xfrm>
           <a:prstGeom prst="rect">
             <a:avLst/>
@@ -7567,6 +7646,18 @@
               <a:defRPr/>
             </a:pPr>
             <a:r>
+              <a:rPr lang="en-US" sz="3600">
+                <a:solidFill>
+                  <a:srgbClr val="5B9BD5">
+                    <a:lumMod val="75000"/>
+                  </a:srgbClr>
+                </a:solidFill>
+                <a:latin typeface="iCiel Panton Black" panose="00000A00000000000000" pitchFamily="50" charset="0"/>
+                <a:ea typeface="Arial Unicode MS"/>
+              </a:rPr>
+              <a:t>3</a:t>
+            </a:r>
+            <a:r>
               <a:rPr lang="en-US" sz="3600" noProof="0" smtClean="0">
                 <a:solidFill>
                   <a:srgbClr val="5B9BD5">
@@ -7576,7 +7667,766 @@
                 <a:latin typeface="iCiel Panton Black" panose="00000A00000000000000" pitchFamily="50" charset="0"/>
                 <a:ea typeface="Arial Unicode MS"/>
               </a:rPr>
-              <a:t>3</a:t>
+              <a:t>. PHÂN TÍCH HỆ THỐNG – DỮ LIỆU</a:t>
+            </a:r>
+            <a:endParaRPr kumimoji="0" lang="en-US" sz="3600" b="0" i="0" u="none" strike="noStrike" kern="1200" cap="none" spc="0" normalizeH="0" baseline="0" noProof="0">
+              <a:ln>
+                <a:noFill/>
+              </a:ln>
+              <a:solidFill>
+                <a:srgbClr val="5B9BD5">
+                  <a:lumMod val="75000"/>
+                </a:srgbClr>
+              </a:solidFill>
+              <a:effectLst/>
+              <a:uLnTx/>
+              <a:uFillTx/>
+              <a:latin typeface="iCiel Panton Black" panose="00000A00000000000000" pitchFamily="50" charset="0"/>
+              <a:ea typeface="Arial Unicode MS"/>
+              <a:cs typeface="+mn-cs"/>
+            </a:endParaRPr>
+          </a:p>
+        </p:txBody>
+      </p:sp>
+      <p:cxnSp>
+        <p:nvCxnSpPr>
+          <p:cNvPr id="5" name="Straight Connector 4"/>
+          <p:cNvCxnSpPr/>
+          <p:nvPr/>
+        </p:nvCxnSpPr>
+        <p:spPr>
+          <a:xfrm>
+            <a:off x="3238500" y="1107996"/>
+            <a:ext cx="7181850" cy="0"/>
+          </a:xfrm>
+          <a:prstGeom prst="line">
+            <a:avLst/>
+          </a:prstGeom>
+          <a:ln w="38100"/>
+        </p:spPr>
+        <p:style>
+          <a:lnRef idx="2">
+            <a:schemeClr val="accent4"/>
+          </a:lnRef>
+          <a:fillRef idx="0">
+            <a:schemeClr val="accent4"/>
+          </a:fillRef>
+          <a:effectRef idx="1">
+            <a:schemeClr val="accent4"/>
+          </a:effectRef>
+          <a:fontRef idx="minor">
+            <a:schemeClr val="tx1"/>
+          </a:fontRef>
+        </p:style>
+      </p:cxnSp>
+      <p:pic>
+        <p:nvPicPr>
+          <p:cNvPr id="10" name="그림 6">
+            <a:extLst>
+              <a:ext uri="{FF2B5EF4-FFF2-40B4-BE49-F238E27FC236}">
+                <a16:creationId xmlns:a16="http://schemas.microsoft.com/office/drawing/2014/main" id="{882EA250-1C58-44FD-A33D-1BE22C86B1D1}"/>
+              </a:ext>
+            </a:extLst>
+          </p:cNvPr>
+          <p:cNvPicPr>
+            <a:picLocks noChangeAspect="1"/>
+          </p:cNvPicPr>
+          <p:nvPr/>
+        </p:nvPicPr>
+        <p:blipFill>
+          <a:blip r:embed="rId2">
+            <a:extLst>
+              <a:ext uri="{28A0092B-C50C-407E-A947-70E740481C1C}">
+                <a14:useLocalDpi xmlns:a14="http://schemas.microsoft.com/office/drawing/2010/main" val="0"/>
+              </a:ext>
+            </a:extLst>
+          </a:blip>
+          <a:stretch>
+            <a:fillRect/>
+          </a:stretch>
+        </p:blipFill>
+        <p:spPr>
+          <a:xfrm>
+            <a:off x="12865638" y="1446550"/>
+            <a:ext cx="3374907" cy="4694615"/>
+          </a:xfrm>
+          <a:prstGeom prst="rect">
+            <a:avLst/>
+          </a:prstGeom>
+        </p:spPr>
+      </p:pic>
+      <p:sp>
+        <p:nvSpPr>
+          <p:cNvPr id="15" name="직사각형 36">
+            <a:extLst>
+              <a:ext uri="{FF2B5EF4-FFF2-40B4-BE49-F238E27FC236}">
+                <a16:creationId xmlns:a16="http://schemas.microsoft.com/office/drawing/2014/main" id="{49031848-D831-4870-BA4F-F72336142045}"/>
+              </a:ext>
+            </a:extLst>
+          </p:cNvPr>
+          <p:cNvSpPr/>
+          <p:nvPr/>
+        </p:nvSpPr>
+        <p:spPr>
+          <a:xfrm>
+            <a:off x="2171700" y="1523494"/>
+            <a:ext cx="2971800" cy="461665"/>
+          </a:xfrm>
+          <a:prstGeom prst="rect">
+            <a:avLst/>
+          </a:prstGeom>
+          <a:noFill/>
+        </p:spPr>
+        <p:txBody>
+          <a:bodyPr wrap="square" rtlCol="0" anchor="ctr" anchorCtr="0">
+            <a:spAutoFit/>
+          </a:bodyPr>
+          <a:lstStyle/>
+          <a:p>
+            <a:pPr marL="0" marR="0" lvl="0" indent="0" algn="ctr" defTabSz="914400" rtl="0" eaLnBrk="1" fontAlgn="auto" latinLnBrk="1" hangingPunct="1">
+              <a:lnSpc>
+                <a:spcPct val="100000"/>
+              </a:lnSpc>
+              <a:spcBef>
+                <a:spcPts val="0"/>
+              </a:spcBef>
+              <a:spcAft>
+                <a:spcPts val="0"/>
+              </a:spcAft>
+              <a:buClrTx/>
+              <a:buSzTx/>
+              <a:buFontTx/>
+              <a:buNone/>
+              <a:tabLst/>
+              <a:defRPr/>
+            </a:pPr>
+            <a:r>
+              <a:rPr kumimoji="0" lang="en-US" altLang="ko-KR" sz="2400" b="0" i="0" u="none" strike="noStrike" kern="1200" cap="none" spc="0" normalizeH="0" baseline="0" noProof="0" smtClean="0">
+                <a:ln>
+                  <a:noFill/>
+                </a:ln>
+                <a:solidFill>
+                  <a:prstClr val="black"/>
+                </a:solidFill>
+                <a:effectLst/>
+                <a:uLnTx/>
+                <a:uFillTx/>
+                <a:latin typeface="iCiel Gotham Ultra" pitchFamily="50" charset="0"/>
+                <a:ea typeface="Arial Unicode MS"/>
+                <a:cs typeface="iCiel Gotham Ultra" pitchFamily="50" charset="0"/>
+              </a:rPr>
+              <a:t>Sơ</a:t>
+            </a:r>
+            <a:r>
+              <a:rPr kumimoji="0" lang="en-US" altLang="ko-KR" sz="2400" b="0" i="0" u="none" strike="noStrike" kern="1200" cap="none" spc="0" normalizeH="0" noProof="0" smtClean="0">
+                <a:ln>
+                  <a:noFill/>
+                </a:ln>
+                <a:solidFill>
+                  <a:prstClr val="black"/>
+                </a:solidFill>
+                <a:effectLst/>
+                <a:uLnTx/>
+                <a:uFillTx/>
+                <a:latin typeface="iCiel Gotham Ultra" pitchFamily="50" charset="0"/>
+                <a:ea typeface="Arial Unicode MS"/>
+                <a:cs typeface="iCiel Gotham Ultra" pitchFamily="50" charset="0"/>
+              </a:rPr>
+              <a:t> đồ Usecase</a:t>
+            </a:r>
+            <a:endParaRPr kumimoji="0" lang="en-US" altLang="ko-KR" sz="2400" b="0" i="0" u="none" strike="noStrike" kern="1200" cap="none" spc="0" normalizeH="0" baseline="0" noProof="0" dirty="0">
+              <a:ln>
+                <a:noFill/>
+              </a:ln>
+              <a:solidFill>
+                <a:prstClr val="black"/>
+              </a:solidFill>
+              <a:effectLst/>
+              <a:uLnTx/>
+              <a:uFillTx/>
+              <a:latin typeface="iCiel Gotham Ultra" pitchFamily="50" charset="0"/>
+              <a:ea typeface="Arial Unicode MS"/>
+              <a:cs typeface="iCiel Gotham Ultra" pitchFamily="50" charset="0"/>
+            </a:endParaRPr>
+          </a:p>
+        </p:txBody>
+      </p:sp>
+      <p:sp>
+        <p:nvSpPr>
+          <p:cNvPr id="16" name="직사각형 36">
+            <a:extLst>
+              <a:ext uri="{FF2B5EF4-FFF2-40B4-BE49-F238E27FC236}">
+                <a16:creationId xmlns:a16="http://schemas.microsoft.com/office/drawing/2014/main" id="{49031848-D831-4870-BA4F-F72336142045}"/>
+              </a:ext>
+            </a:extLst>
+          </p:cNvPr>
+          <p:cNvSpPr/>
+          <p:nvPr/>
+        </p:nvSpPr>
+        <p:spPr>
+          <a:xfrm>
+            <a:off x="1869945" y="1502038"/>
+            <a:ext cx="2842110" cy="461665"/>
+          </a:xfrm>
+          <a:prstGeom prst="rect">
+            <a:avLst/>
+          </a:prstGeom>
+          <a:noFill/>
+        </p:spPr>
+        <p:txBody>
+          <a:bodyPr wrap="square" rtlCol="0" anchor="ctr" anchorCtr="0">
+            <a:spAutoFit/>
+          </a:bodyPr>
+          <a:lstStyle/>
+          <a:p>
+            <a:pPr marL="0" marR="0" lvl="0" indent="0" algn="ctr" defTabSz="914400" rtl="0" eaLnBrk="1" fontAlgn="auto" latinLnBrk="1" hangingPunct="1">
+              <a:lnSpc>
+                <a:spcPct val="100000"/>
+              </a:lnSpc>
+              <a:spcBef>
+                <a:spcPts val="0"/>
+              </a:spcBef>
+              <a:spcAft>
+                <a:spcPts val="0"/>
+              </a:spcAft>
+              <a:buClrTx/>
+              <a:buSzTx/>
+              <a:buFontTx/>
+              <a:buNone/>
+              <a:tabLst/>
+              <a:defRPr/>
+            </a:pPr>
+            <a:r>
+              <a:rPr kumimoji="0" lang="en-US" altLang="ko-KR" sz="2400" b="0" i="0" u="none" strike="noStrike" kern="1200" cap="none" spc="0" normalizeH="0" baseline="0" noProof="0" smtClean="0">
+                <a:ln>
+                  <a:noFill/>
+                </a:ln>
+                <a:solidFill>
+                  <a:prstClr val="black"/>
+                </a:solidFill>
+                <a:effectLst/>
+                <a:uLnTx/>
+                <a:uFillTx/>
+                <a:latin typeface="iCiel Gotham Ultra" pitchFamily="50" charset="0"/>
+                <a:ea typeface="Arial Unicode MS"/>
+                <a:cs typeface="iCiel Gotham Ultra" pitchFamily="50" charset="0"/>
+              </a:rPr>
+              <a:t>CSDL</a:t>
+            </a:r>
+            <a:endParaRPr kumimoji="0" lang="en-US" altLang="ko-KR" sz="2400" b="0" i="0" u="none" strike="noStrike" kern="1200" cap="none" spc="0" normalizeH="0" baseline="0" noProof="0" dirty="0">
+              <a:ln>
+                <a:noFill/>
+              </a:ln>
+              <a:solidFill>
+                <a:prstClr val="black"/>
+              </a:solidFill>
+              <a:effectLst/>
+              <a:uLnTx/>
+              <a:uFillTx/>
+              <a:latin typeface="iCiel Gotham Ultra" pitchFamily="50" charset="0"/>
+              <a:ea typeface="Arial Unicode MS"/>
+              <a:cs typeface="iCiel Gotham Ultra" pitchFamily="50" charset="0"/>
+            </a:endParaRPr>
+          </a:p>
+        </p:txBody>
+      </p:sp>
+      <p:pic>
+        <p:nvPicPr>
+          <p:cNvPr id="11" name="Picture 10"/>
+          <p:cNvPicPr/>
+          <p:nvPr/>
+        </p:nvPicPr>
+        <p:blipFill>
+          <a:blip r:embed="rId3">
+            <a:extLst>
+              <a:ext uri="{28A0092B-C50C-407E-A947-70E740481C1C}">
+                <a14:useLocalDpi xmlns:a14="http://schemas.microsoft.com/office/drawing/2010/main" val="0"/>
+              </a:ext>
+            </a:extLst>
+          </a:blip>
+          <a:srcRect/>
+          <a:stretch>
+            <a:fillRect/>
+          </a:stretch>
+        </p:blipFill>
+        <p:spPr bwMode="auto">
+          <a:xfrm>
+            <a:off x="2278417" y="1732870"/>
+            <a:ext cx="7941906" cy="5268575"/>
+          </a:xfrm>
+          <a:prstGeom prst="rect">
+            <a:avLst/>
+          </a:prstGeom>
+          <a:noFill/>
+          <a:ln>
+            <a:noFill/>
+          </a:ln>
+        </p:spPr>
+      </p:pic>
+      <p:pic>
+        <p:nvPicPr>
+          <p:cNvPr id="6" name="Picture 5"/>
+          <p:cNvPicPr>
+            <a:picLocks noChangeAspect="1"/>
+          </p:cNvPicPr>
+          <p:nvPr/>
+        </p:nvPicPr>
+        <p:blipFill>
+          <a:blip r:embed="rId4"/>
+          <a:stretch>
+            <a:fillRect/>
+          </a:stretch>
+        </p:blipFill>
+        <p:spPr>
+          <a:xfrm>
+            <a:off x="997970" y="2100909"/>
+            <a:ext cx="10502799" cy="4741874"/>
+          </a:xfrm>
+          <a:prstGeom prst="rect">
+            <a:avLst/>
+          </a:prstGeom>
+        </p:spPr>
+      </p:pic>
+    </p:spTree>
+    <p:extLst>
+      <p:ext uri="{BB962C8B-B14F-4D97-AF65-F5344CB8AC3E}">
+        <p14:creationId xmlns:p14="http://schemas.microsoft.com/office/powerpoint/2010/main" val="1786385303"/>
+      </p:ext>
+    </p:extLst>
+  </p:cSld>
+  <p:clrMapOvr>
+    <a:masterClrMapping/>
+  </p:clrMapOvr>
+  <p:timing>
+    <p:tnLst>
+      <p:par>
+        <p:cTn id="1" dur="indefinite" restart="never" nodeType="tmRoot">
+          <p:childTnLst>
+            <p:seq concurrent="1" nextAc="seek">
+              <p:cTn id="2" dur="indefinite" nodeType="mainSeq">
+                <p:childTnLst>
+                  <p:par>
+                    <p:cTn id="3" fill="hold">
+                      <p:stCondLst>
+                        <p:cond delay="indefinite"/>
+                      </p:stCondLst>
+                      <p:childTnLst>
+                        <p:par>
+                          <p:cTn id="4" fill="hold">
+                            <p:stCondLst>
+                              <p:cond delay="0"/>
+                            </p:stCondLst>
+                            <p:childTnLst>
+                              <p:par>
+                                <p:cTn id="5" presetID="10" presetClass="entr" presetSubtype="0" fill="hold" grpId="0" nodeType="clickEffect">
+                                  <p:stCondLst>
+                                    <p:cond delay="0"/>
+                                  </p:stCondLst>
+                                  <p:childTnLst>
+                                    <p:set>
+                                      <p:cBhvr>
+                                        <p:cTn id="6" dur="1" fill="hold">
+                                          <p:stCondLst>
+                                            <p:cond delay="0"/>
+                                          </p:stCondLst>
+                                        </p:cTn>
+                                        <p:tgtEl>
+                                          <p:spTgt spid="15"/>
+                                        </p:tgtEl>
+                                        <p:attrNameLst>
+                                          <p:attrName>style.visibility</p:attrName>
+                                        </p:attrNameLst>
+                                      </p:cBhvr>
+                                      <p:to>
+                                        <p:strVal val="visible"/>
+                                      </p:to>
+                                    </p:set>
+                                    <p:animEffect transition="in" filter="fade">
+                                      <p:cBhvr>
+                                        <p:cTn id="7" dur="500"/>
+                                        <p:tgtEl>
+                                          <p:spTgt spid="15"/>
+                                        </p:tgtEl>
+                                      </p:cBhvr>
+                                    </p:animEffect>
+                                  </p:childTnLst>
+                                </p:cTn>
+                              </p:par>
+                            </p:childTnLst>
+                          </p:cTn>
+                        </p:par>
+                      </p:childTnLst>
+                    </p:cTn>
+                  </p:par>
+                  <p:par>
+                    <p:cTn id="8" fill="hold">
+                      <p:stCondLst>
+                        <p:cond delay="indefinite"/>
+                      </p:stCondLst>
+                      <p:childTnLst>
+                        <p:par>
+                          <p:cTn id="9" fill="hold">
+                            <p:stCondLst>
+                              <p:cond delay="0"/>
+                            </p:stCondLst>
+                            <p:childTnLst>
+                              <p:par>
+                                <p:cTn id="10" presetID="10" presetClass="entr" presetSubtype="0" fill="hold" nodeType="clickEffect">
+                                  <p:stCondLst>
+                                    <p:cond delay="0"/>
+                                  </p:stCondLst>
+                                  <p:childTnLst>
+                                    <p:set>
+                                      <p:cBhvr>
+                                        <p:cTn id="11" dur="1" fill="hold">
+                                          <p:stCondLst>
+                                            <p:cond delay="0"/>
+                                          </p:stCondLst>
+                                        </p:cTn>
+                                        <p:tgtEl>
+                                          <p:spTgt spid="11"/>
+                                        </p:tgtEl>
+                                        <p:attrNameLst>
+                                          <p:attrName>style.visibility</p:attrName>
+                                        </p:attrNameLst>
+                                      </p:cBhvr>
+                                      <p:to>
+                                        <p:strVal val="visible"/>
+                                      </p:to>
+                                    </p:set>
+                                    <p:animEffect transition="in" filter="fade">
+                                      <p:cBhvr>
+                                        <p:cTn id="12" dur="500"/>
+                                        <p:tgtEl>
+                                          <p:spTgt spid="11"/>
+                                        </p:tgtEl>
+                                      </p:cBhvr>
+                                    </p:animEffect>
+                                  </p:childTnLst>
+                                </p:cTn>
+                              </p:par>
+                            </p:childTnLst>
+                          </p:cTn>
+                        </p:par>
+                      </p:childTnLst>
+                    </p:cTn>
+                  </p:par>
+                  <p:par>
+                    <p:cTn id="13" fill="hold">
+                      <p:stCondLst>
+                        <p:cond delay="indefinite"/>
+                      </p:stCondLst>
+                      <p:childTnLst>
+                        <p:par>
+                          <p:cTn id="14" fill="hold">
+                            <p:stCondLst>
+                              <p:cond delay="0"/>
+                            </p:stCondLst>
+                            <p:childTnLst>
+                              <p:par>
+                                <p:cTn id="15" presetID="10" presetClass="exit" presetSubtype="0" fill="hold" nodeType="clickEffect">
+                                  <p:stCondLst>
+                                    <p:cond delay="0"/>
+                                  </p:stCondLst>
+                                  <p:childTnLst>
+                                    <p:animEffect transition="out" filter="fade">
+                                      <p:cBhvr>
+                                        <p:cTn id="16" dur="500"/>
+                                        <p:tgtEl>
+                                          <p:spTgt spid="11"/>
+                                        </p:tgtEl>
+                                      </p:cBhvr>
+                                    </p:animEffect>
+                                    <p:set>
+                                      <p:cBhvr>
+                                        <p:cTn id="17" dur="1" fill="hold">
+                                          <p:stCondLst>
+                                            <p:cond delay="499"/>
+                                          </p:stCondLst>
+                                        </p:cTn>
+                                        <p:tgtEl>
+                                          <p:spTgt spid="11"/>
+                                        </p:tgtEl>
+                                        <p:attrNameLst>
+                                          <p:attrName>style.visibility</p:attrName>
+                                        </p:attrNameLst>
+                                      </p:cBhvr>
+                                      <p:to>
+                                        <p:strVal val="hidden"/>
+                                      </p:to>
+                                    </p:set>
+                                  </p:childTnLst>
+                                </p:cTn>
+                              </p:par>
+                            </p:childTnLst>
+                          </p:cTn>
+                        </p:par>
+                      </p:childTnLst>
+                    </p:cTn>
+                  </p:par>
+                  <p:par>
+                    <p:cTn id="18" fill="hold">
+                      <p:stCondLst>
+                        <p:cond delay="indefinite"/>
+                      </p:stCondLst>
+                      <p:childTnLst>
+                        <p:par>
+                          <p:cTn id="19" fill="hold">
+                            <p:stCondLst>
+                              <p:cond delay="0"/>
+                            </p:stCondLst>
+                            <p:childTnLst>
+                              <p:par>
+                                <p:cTn id="20" presetID="10" presetClass="exit" presetSubtype="0" fill="hold" grpId="1" nodeType="clickEffect">
+                                  <p:stCondLst>
+                                    <p:cond delay="0"/>
+                                  </p:stCondLst>
+                                  <p:childTnLst>
+                                    <p:animEffect transition="out" filter="fade">
+                                      <p:cBhvr>
+                                        <p:cTn id="21" dur="500"/>
+                                        <p:tgtEl>
+                                          <p:spTgt spid="15"/>
+                                        </p:tgtEl>
+                                      </p:cBhvr>
+                                    </p:animEffect>
+                                    <p:set>
+                                      <p:cBhvr>
+                                        <p:cTn id="22" dur="1" fill="hold">
+                                          <p:stCondLst>
+                                            <p:cond delay="499"/>
+                                          </p:stCondLst>
+                                        </p:cTn>
+                                        <p:tgtEl>
+                                          <p:spTgt spid="15"/>
+                                        </p:tgtEl>
+                                        <p:attrNameLst>
+                                          <p:attrName>style.visibility</p:attrName>
+                                        </p:attrNameLst>
+                                      </p:cBhvr>
+                                      <p:to>
+                                        <p:strVal val="hidden"/>
+                                      </p:to>
+                                    </p:set>
+                                  </p:childTnLst>
+                                </p:cTn>
+                              </p:par>
+                            </p:childTnLst>
+                          </p:cTn>
+                        </p:par>
+                      </p:childTnLst>
+                    </p:cTn>
+                  </p:par>
+                  <p:par>
+                    <p:cTn id="23" fill="hold">
+                      <p:stCondLst>
+                        <p:cond delay="indefinite"/>
+                      </p:stCondLst>
+                      <p:childTnLst>
+                        <p:par>
+                          <p:cTn id="24" fill="hold">
+                            <p:stCondLst>
+                              <p:cond delay="0"/>
+                            </p:stCondLst>
+                            <p:childTnLst>
+                              <p:par>
+                                <p:cTn id="25" presetID="10" presetClass="entr" presetSubtype="0" fill="hold" nodeType="clickEffect">
+                                  <p:stCondLst>
+                                    <p:cond delay="0"/>
+                                  </p:stCondLst>
+                                  <p:childTnLst>
+                                    <p:set>
+                                      <p:cBhvr>
+                                        <p:cTn id="26" dur="1" fill="hold">
+                                          <p:stCondLst>
+                                            <p:cond delay="0"/>
+                                          </p:stCondLst>
+                                        </p:cTn>
+                                        <p:tgtEl>
+                                          <p:spTgt spid="16">
+                                            <p:txEl>
+                                              <p:pRg st="0" end="0"/>
+                                            </p:txEl>
+                                          </p:spTgt>
+                                        </p:tgtEl>
+                                        <p:attrNameLst>
+                                          <p:attrName>style.visibility</p:attrName>
+                                        </p:attrNameLst>
+                                      </p:cBhvr>
+                                      <p:to>
+                                        <p:strVal val="visible"/>
+                                      </p:to>
+                                    </p:set>
+                                    <p:animEffect transition="in" filter="fade">
+                                      <p:cBhvr>
+                                        <p:cTn id="27" dur="500"/>
+                                        <p:tgtEl>
+                                          <p:spTgt spid="16">
+                                            <p:txEl>
+                                              <p:pRg st="0" end="0"/>
+                                            </p:txEl>
+                                          </p:spTgt>
+                                        </p:tgtEl>
+                                      </p:cBhvr>
+                                    </p:animEffect>
+                                  </p:childTnLst>
+                                </p:cTn>
+                              </p:par>
+                            </p:childTnLst>
+                          </p:cTn>
+                        </p:par>
+                      </p:childTnLst>
+                    </p:cTn>
+                  </p:par>
+                  <p:par>
+                    <p:cTn id="28" fill="hold">
+                      <p:stCondLst>
+                        <p:cond delay="indefinite"/>
+                      </p:stCondLst>
+                      <p:childTnLst>
+                        <p:par>
+                          <p:cTn id="29" fill="hold">
+                            <p:stCondLst>
+                              <p:cond delay="0"/>
+                            </p:stCondLst>
+                            <p:childTnLst>
+                              <p:par>
+                                <p:cTn id="30" presetID="10" presetClass="entr" presetSubtype="0" fill="hold" nodeType="clickEffect">
+                                  <p:stCondLst>
+                                    <p:cond delay="0"/>
+                                  </p:stCondLst>
+                                  <p:childTnLst>
+                                    <p:set>
+                                      <p:cBhvr>
+                                        <p:cTn id="31" dur="1" fill="hold">
+                                          <p:stCondLst>
+                                            <p:cond delay="0"/>
+                                          </p:stCondLst>
+                                        </p:cTn>
+                                        <p:tgtEl>
+                                          <p:spTgt spid="6"/>
+                                        </p:tgtEl>
+                                        <p:attrNameLst>
+                                          <p:attrName>style.visibility</p:attrName>
+                                        </p:attrNameLst>
+                                      </p:cBhvr>
+                                      <p:to>
+                                        <p:strVal val="visible"/>
+                                      </p:to>
+                                    </p:set>
+                                    <p:animEffect transition="in" filter="fade">
+                                      <p:cBhvr>
+                                        <p:cTn id="32" dur="500"/>
+                                        <p:tgtEl>
+                                          <p:spTgt spid="6"/>
+                                        </p:tgtEl>
+                                      </p:cBhvr>
+                                    </p:animEffect>
+                                  </p:childTnLst>
+                                </p:cTn>
+                              </p:par>
+                            </p:childTnLst>
+                          </p:cTn>
+                        </p:par>
+                      </p:childTnLst>
+                    </p:cTn>
+                  </p:par>
+                </p:childTnLst>
+              </p:cTn>
+              <p:prevCondLst>
+                <p:cond evt="onPrev" delay="0">
+                  <p:tgtEl>
+                    <p:sldTgt/>
+                  </p:tgtEl>
+                </p:cond>
+              </p:prevCondLst>
+              <p:nextCondLst>
+                <p:cond evt="onNext" delay="0">
+                  <p:tgtEl>
+                    <p:sldTgt/>
+                  </p:tgtEl>
+                </p:cond>
+              </p:nextCondLst>
+            </p:seq>
+          </p:childTnLst>
+        </p:cTn>
+      </p:par>
+    </p:tnLst>
+    <p:bldLst>
+      <p:bldP spid="15" grpId="0"/>
+      <p:bldP spid="15" grpId="1"/>
+    </p:bldLst>
+  </p:timing>
+</p:sld>
+</file>
+
+<file path=ppt/slides/slide11.xml><?xml version="1.0" encoding="utf-8"?>
+<p:sld xmlns:a="http://schemas.openxmlformats.org/drawingml/2006/main" xmlns:r="http://schemas.openxmlformats.org/officeDocument/2006/relationships" xmlns:p="http://schemas.openxmlformats.org/presentationml/2006/main">
+  <p:cSld>
+    <p:spTree>
+      <p:nvGrpSpPr>
+        <p:cNvPr id="1" name=""/>
+        <p:cNvGrpSpPr/>
+        <p:nvPr/>
+      </p:nvGrpSpPr>
+      <p:grpSpPr>
+        <a:xfrm>
+          <a:off x="0" y="0"/>
+          <a:ext cx="0" cy="0"/>
+          <a:chOff x="0" y="0"/>
+          <a:chExt cx="0" cy="0"/>
+        </a:xfrm>
+      </p:grpSpPr>
+      <p:sp>
+        <p:nvSpPr>
+          <p:cNvPr id="4" name="TextBox 3"/>
+          <p:cNvSpPr txBox="1"/>
+          <p:nvPr/>
+        </p:nvSpPr>
+        <p:spPr>
+          <a:xfrm>
+            <a:off x="3276600" y="461665"/>
+            <a:ext cx="7693252" cy="646331"/>
+          </a:xfrm>
+          <a:prstGeom prst="rect">
+            <a:avLst/>
+          </a:prstGeom>
+          <a:noFill/>
+        </p:spPr>
+        <p:txBody>
+          <a:bodyPr wrap="square" rtlCol="0">
+            <a:spAutoFit/>
+          </a:bodyPr>
+          <a:lstStyle/>
+          <a:p>
+            <a:pPr marL="0" marR="0" lvl="0" indent="0" algn="l" defTabSz="914400" rtl="0" eaLnBrk="1" fontAlgn="auto" latinLnBrk="1" hangingPunct="1">
+              <a:lnSpc>
+                <a:spcPct val="100000"/>
+              </a:lnSpc>
+              <a:spcBef>
+                <a:spcPts val="0"/>
+              </a:spcBef>
+              <a:spcAft>
+                <a:spcPts val="0"/>
+              </a:spcAft>
+              <a:buClrTx/>
+              <a:buSzTx/>
+              <a:buFontTx/>
+              <a:buNone/>
+              <a:tabLst/>
+              <a:defRPr/>
+            </a:pPr>
+            <a:r>
+              <a:rPr lang="en-US" sz="3600">
+                <a:solidFill>
+                  <a:srgbClr val="5B9BD5">
+                    <a:lumMod val="75000"/>
+                  </a:srgbClr>
+                </a:solidFill>
+                <a:latin typeface="iCiel Panton Black" panose="00000A00000000000000" pitchFamily="50" charset="0"/>
+                <a:ea typeface="Arial Unicode MS"/>
+              </a:rPr>
+              <a:t>4</a:t>
             </a:r>
             <a:r>
               <a:rPr kumimoji="0" lang="en-US" sz="3600" b="0" i="0" u="none" strike="noStrike" kern="1200" cap="none" spc="0" normalizeH="0" baseline="0" noProof="0" smtClean="0">
@@ -7595,26 +8445,7 @@
                 <a:ea typeface="Arial Unicode MS"/>
                 <a:cs typeface="+mn-cs"/>
               </a:rPr>
-              <a:t>. </a:t>
-            </a:r>
-            <a:r>
-              <a:rPr kumimoji="0" lang="en-US" sz="3600" b="0" i="0" u="none" strike="noStrike" kern="1200" cap="none" spc="0" normalizeH="0" baseline="0" noProof="0" smtClean="0">
-                <a:ln>
-                  <a:noFill/>
-                </a:ln>
-                <a:solidFill>
-                  <a:srgbClr val="5B9BD5">
-                    <a:lumMod val="75000"/>
-                  </a:srgbClr>
-                </a:solidFill>
-                <a:effectLst/>
-                <a:uLnTx/>
-                <a:uFillTx/>
-                <a:latin typeface="iCiel Panton Black" panose="00000A00000000000000" pitchFamily="50" charset="0"/>
-                <a:ea typeface="Arial Unicode MS"/>
-                <a:cs typeface="+mn-cs"/>
-              </a:rPr>
-              <a:t>MỘT</a:t>
+              <a:t>. MỘT</a:t>
             </a:r>
             <a:r>
               <a:rPr kumimoji="0" lang="en-US" sz="3600" b="0" i="0" u="none" strike="noStrike" kern="1200" cap="none" spc="0" normalizeH="0" noProof="0" smtClean="0">
@@ -8530,7 +9361,7 @@
 </p:sld>
 </file>
 
-<file path=ppt/slides/slide11.xml><?xml version="1.0" encoding="utf-8"?>
+<file path=ppt/slides/slide12.xml><?xml version="1.0" encoding="utf-8"?>
 <p:sld xmlns:a="http://schemas.openxmlformats.org/drawingml/2006/main" xmlns:r="http://schemas.openxmlformats.org/officeDocument/2006/relationships" xmlns:p="http://schemas.openxmlformats.org/presentationml/2006/main">
   <p:cSld>
     <p:spTree>
@@ -8776,7 +9607,7 @@
 </p:sld>
 </file>
 
-<file path=ppt/slides/slide12.xml><?xml version="1.0" encoding="utf-8"?>
+<file path=ppt/slides/slide13.xml><?xml version="1.0" encoding="utf-8"?>
 <p:sld xmlns:a="http://schemas.openxmlformats.org/drawingml/2006/main" xmlns:r="http://schemas.openxmlformats.org/officeDocument/2006/relationships" xmlns:p="http://schemas.openxmlformats.org/presentationml/2006/main">
   <p:cSld>
     <p:spTree>
@@ -11007,7 +11838,7 @@
 </p:sld>
 </file>
 
-<file path=ppt/slides/slide13.xml><?xml version="1.0" encoding="utf-8"?>
+<file path=ppt/slides/slide14.xml><?xml version="1.0" encoding="utf-8"?>
 <p:sld xmlns:a="http://schemas.openxmlformats.org/drawingml/2006/main" xmlns:r="http://schemas.openxmlformats.org/officeDocument/2006/relationships" xmlns:p="http://schemas.openxmlformats.org/presentationml/2006/main">
   <p:cSld>
     <p:spTree>
@@ -11275,7 +12106,7 @@
 </p:sld>
 </file>
 
-<file path=ppt/slides/slide14.xml><?xml version="1.0" encoding="utf-8"?>
+<file path=ppt/slides/slide15.xml><?xml version="1.0" encoding="utf-8"?>
 <p:sld xmlns:a="http://schemas.openxmlformats.org/drawingml/2006/main" xmlns:r="http://schemas.openxmlformats.org/officeDocument/2006/relationships" xmlns:p="http://schemas.openxmlformats.org/presentationml/2006/main">
   <p:cSld>
     <p:spTree>
@@ -11878,7 +12709,7 @@
 </p:sld>
 </file>
 
-<file path=ppt/slides/slide15.xml><?xml version="1.0" encoding="utf-8"?>
+<file path=ppt/slides/slide16.xml><?xml version="1.0" encoding="utf-8"?>
 <p:sld xmlns:a="http://schemas.openxmlformats.org/drawingml/2006/main" xmlns:r="http://schemas.openxmlformats.org/officeDocument/2006/relationships" xmlns:p="http://schemas.openxmlformats.org/presentationml/2006/main">
   <p:cSld>
     <p:spTree>
@@ -12377,24 +13208,7 @@
                 <a:ea typeface="Arial Unicode MS"/>
                 <a:cs typeface="+mn-cs"/>
               </a:rPr>
-              <a:t>. </a:t>
-            </a:r>
-            <a:r>
-              <a:rPr kumimoji="0" lang="en-US" altLang="ko-KR" sz="2000" b="0" i="0" u="none" strike="noStrike" kern="1200" cap="none" spc="0" normalizeH="0" baseline="0" noProof="0" smtClean="0">
-                <a:ln>
-                  <a:noFill/>
-                </a:ln>
-                <a:solidFill>
-                  <a:prstClr val="black"/>
-                </a:solidFill>
-                <a:effectLst/>
-                <a:uLnTx/>
-                <a:uFillTx/>
-                <a:latin typeface="iCiel Panton Black Italic" panose="00000A00000000000000" pitchFamily="50" charset="0"/>
-                <a:ea typeface="Arial Unicode MS"/>
-                <a:cs typeface="+mn-cs"/>
-              </a:rPr>
-              <a:t>Giới thiệu tổng quan </a:t>
+              <a:t>. Giới thiệu tổng quan </a:t>
             </a:r>
             <a:endParaRPr kumimoji="0" lang="ko-KR" altLang="en-US" sz="2000" b="0" i="0" u="none" strike="noStrike" kern="1200" cap="none" spc="0" normalizeH="0" baseline="0" noProof="0" dirty="0">
               <a:ln>
@@ -14959,26 +15773,7 @@
                 <a:ea typeface="Arial Unicode MS"/>
                 <a:cs typeface="+mn-cs"/>
               </a:rPr>
-              <a:t>2. </a:t>
-            </a:r>
-            <a:r>
-              <a:rPr kumimoji="0" lang="en-US" sz="3600" b="0" i="0" u="none" strike="noStrike" kern="1200" cap="none" spc="0" normalizeH="0" baseline="0" noProof="0" smtClean="0">
-                <a:ln>
-                  <a:noFill/>
-                </a:ln>
-                <a:solidFill>
-                  <a:srgbClr val="5B9BD5">
-                    <a:lumMod val="75000"/>
-                  </a:srgbClr>
-                </a:solidFill>
-                <a:effectLst/>
-                <a:uLnTx/>
-                <a:uFillTx/>
-                <a:latin typeface="iCiel Panton Black" panose="00000A00000000000000" pitchFamily="50" charset="0"/>
-                <a:ea typeface="Arial Unicode MS"/>
-                <a:cs typeface="+mn-cs"/>
-              </a:rPr>
-              <a:t>MÔ</a:t>
+              <a:t>2. MÔ</a:t>
             </a:r>
             <a:r>
               <a:rPr kumimoji="0" lang="en-US" sz="3600" b="0" i="0" u="none" strike="noStrike" kern="1200" cap="none" spc="0" normalizeH="0" noProof="0" smtClean="0">
@@ -15441,14 +16236,14 @@
               <a:defRPr/>
             </a:pPr>
             <a:r>
-              <a:rPr lang="en-US" altLang="ko-KR" sz="2000" smtClean="0">
+              <a:rPr lang="en-US" altLang="ko-KR" sz="2000" noProof="0" smtClean="0">
                 <a:solidFill>
                   <a:prstClr val="black"/>
                 </a:solidFill>
                 <a:latin typeface="iCiel Panton Black Italic" panose="00000A00000000000000" pitchFamily="50" charset="0"/>
                 <a:ea typeface="Arial Unicode MS"/>
               </a:rPr>
-              <a:t>Nhà thuốc</a:t>
+              <a:t>Nhà cung cấp</a:t>
             </a:r>
             <a:endParaRPr kumimoji="0" lang="ko-KR" altLang="en-US" sz="2000" b="0" i="0" u="none" strike="noStrike" kern="1200" cap="none" spc="0" normalizeH="0" baseline="0" noProof="0" dirty="0">
               <a:ln>
@@ -18070,26 +18865,7 @@
                 <a:ea typeface="Arial Unicode MS"/>
                 <a:cs typeface="+mn-cs"/>
               </a:rPr>
-              <a:t>3. </a:t>
-            </a:r>
-            <a:r>
-              <a:rPr kumimoji="0" lang="en-US" sz="3600" b="0" i="0" u="none" strike="noStrike" kern="1200" cap="none" spc="0" normalizeH="0" baseline="0" noProof="0" smtClean="0">
-                <a:ln>
-                  <a:noFill/>
-                </a:ln>
-                <a:solidFill>
-                  <a:srgbClr val="5B9BD5">
-                    <a:lumMod val="75000"/>
-                  </a:srgbClr>
-                </a:solidFill>
-                <a:effectLst/>
-                <a:uLnTx/>
-                <a:uFillTx/>
-                <a:latin typeface="iCiel Panton Black" panose="00000A00000000000000" pitchFamily="50" charset="0"/>
-                <a:ea typeface="Arial Unicode MS"/>
-                <a:cs typeface="+mn-cs"/>
-              </a:rPr>
-              <a:t>CÁC</a:t>
+              <a:t>3. CÁC</a:t>
             </a:r>
             <a:r>
               <a:rPr kumimoji="0" lang="en-US" sz="3600" b="0" i="0" u="none" strike="noStrike" kern="1200" cap="none" spc="0" normalizeH="0" noProof="0" smtClean="0">
@@ -20853,7 +21629,7 @@
         <p:spPr>
           <a:xfrm>
             <a:off x="3276600" y="461665"/>
-            <a:ext cx="7429500" cy="646331"/>
+            <a:ext cx="6381750" cy="646331"/>
           </a:xfrm>
           <a:prstGeom prst="rect">
             <a:avLst/>
@@ -20884,7 +21660,7 @@
               <a:defRPr/>
             </a:pPr>
             <a:r>
-              <a:rPr lang="en-US" sz="3600" noProof="0">
+              <a:rPr lang="en-US" sz="3600" smtClean="0">
                 <a:solidFill>
                   <a:srgbClr val="5B9BD5">
                     <a:lumMod val="75000"/>
@@ -20893,64 +21669,7 @@
                 <a:latin typeface="iCiel Panton Black" panose="00000A00000000000000" pitchFamily="50" charset="0"/>
                 <a:ea typeface="Arial Unicode MS"/>
               </a:rPr>
-              <a:t>1</a:t>
-            </a:r>
-            <a:r>
-              <a:rPr kumimoji="0" lang="en-US" sz="3600" b="0" i="0" u="none" strike="noStrike" kern="1200" cap="none" spc="0" normalizeH="0" baseline="0" noProof="0" smtClean="0">
-                <a:ln>
-                  <a:noFill/>
-                </a:ln>
-                <a:solidFill>
-                  <a:srgbClr val="5B9BD5">
-                    <a:lumMod val="75000"/>
-                  </a:srgbClr>
-                </a:solidFill>
-                <a:effectLst/>
-                <a:uLnTx/>
-                <a:uFillTx/>
-                <a:latin typeface="iCiel Panton Black" panose="00000A00000000000000" pitchFamily="50" charset="0"/>
-                <a:ea typeface="Arial Unicode MS"/>
-                <a:cs typeface="+mn-cs"/>
-              </a:rPr>
-              <a:t>. </a:t>
-            </a:r>
-            <a:r>
-              <a:rPr kumimoji="0" lang="en-US" sz="3600" b="0" i="0" u="none" strike="noStrike" kern="1200" cap="none" spc="0" normalizeH="0" baseline="0" noProof="0" smtClean="0">
-                <a:ln>
-                  <a:noFill/>
-                </a:ln>
-                <a:solidFill>
-                  <a:srgbClr val="5B9BD5">
-                    <a:lumMod val="75000"/>
-                  </a:srgbClr>
-                </a:solidFill>
-                <a:effectLst/>
-                <a:uLnTx/>
-                <a:uFillTx/>
-                <a:latin typeface="iCiel Panton Black" panose="00000A00000000000000" pitchFamily="50" charset="0"/>
-                <a:ea typeface="Arial Unicode MS"/>
-                <a:cs typeface="+mn-cs"/>
-              </a:rPr>
-              <a:t>CÁC</a:t>
-            </a:r>
-            <a:r>
-              <a:rPr kumimoji="0" lang="en-US" sz="3600" b="0" i="0" u="none" strike="noStrike" kern="1200" cap="none" spc="0" normalizeH="0" noProof="0" smtClean="0">
-                <a:ln>
-                  <a:noFill/>
-                </a:ln>
-                <a:solidFill>
-                  <a:srgbClr val="5B9BD5">
-                    <a:lumMod val="75000"/>
-                  </a:srgbClr>
-                </a:solidFill>
-                <a:effectLst/>
-                <a:uLnTx/>
-                <a:uFillTx/>
-                <a:latin typeface="iCiel Panton Black" panose="00000A00000000000000" pitchFamily="50" charset="0"/>
-                <a:ea typeface="Arial Unicode MS"/>
-                <a:cs typeface="+mn-cs"/>
-              </a:rPr>
-              <a:t> CHỨC NĂNG CHÍNH</a:t>
+              <a:t>1. CÔNG NGHỆ SỬ DỤNG</a:t>
             </a:r>
             <a:endParaRPr kumimoji="0" lang="en-US" sz="3600" b="0" i="0" u="none" strike="noStrike" kern="1200" cap="none" spc="0" normalizeH="0" baseline="0" noProof="0">
               <a:ln>
@@ -21002,6 +21721,1261 @@
           </a:fontRef>
         </p:style>
       </p:cxnSp>
+      <p:pic>
+        <p:nvPicPr>
+          <p:cNvPr id="2" name="Picture 1"/>
+          <p:cNvPicPr>
+            <a:picLocks noChangeAspect="1"/>
+          </p:cNvPicPr>
+          <p:nvPr/>
+        </p:nvPicPr>
+        <p:blipFill rotWithShape="1">
+          <a:blip r:embed="rId2"/>
+          <a:srcRect b="9497"/>
+          <a:stretch/>
+        </p:blipFill>
+        <p:spPr>
+          <a:xfrm>
+            <a:off x="1508576" y="2980701"/>
+            <a:ext cx="1826988" cy="1783601"/>
+          </a:xfrm>
+          <a:prstGeom prst="rect">
+            <a:avLst/>
+          </a:prstGeom>
+        </p:spPr>
+      </p:pic>
+      <p:pic>
+        <p:nvPicPr>
+          <p:cNvPr id="7" name="Picture 6"/>
+          <p:cNvPicPr>
+            <a:picLocks noChangeAspect="1"/>
+          </p:cNvPicPr>
+          <p:nvPr/>
+        </p:nvPicPr>
+        <p:blipFill>
+          <a:blip r:embed="rId3"/>
+          <a:stretch>
+            <a:fillRect/>
+          </a:stretch>
+        </p:blipFill>
+        <p:spPr>
+          <a:xfrm>
+            <a:off x="3917598" y="3174140"/>
+            <a:ext cx="2793444" cy="1396722"/>
+          </a:xfrm>
+          <a:prstGeom prst="rect">
+            <a:avLst/>
+          </a:prstGeom>
+        </p:spPr>
+      </p:pic>
+      <p:pic>
+        <p:nvPicPr>
+          <p:cNvPr id="8" name="Picture 7"/>
+          <p:cNvPicPr>
+            <a:picLocks noChangeAspect="1"/>
+          </p:cNvPicPr>
+          <p:nvPr/>
+        </p:nvPicPr>
+        <p:blipFill>
+          <a:blip r:embed="rId4"/>
+          <a:stretch>
+            <a:fillRect/>
+          </a:stretch>
+        </p:blipFill>
+        <p:spPr>
+          <a:xfrm>
+            <a:off x="7293076" y="3237954"/>
+            <a:ext cx="1269093" cy="1269093"/>
+          </a:xfrm>
+          <a:prstGeom prst="rect">
+            <a:avLst/>
+          </a:prstGeom>
+        </p:spPr>
+      </p:pic>
+      <p:pic>
+        <p:nvPicPr>
+          <p:cNvPr id="9" name="Picture 8"/>
+          <p:cNvPicPr>
+            <a:picLocks noChangeAspect="1"/>
+          </p:cNvPicPr>
+          <p:nvPr/>
+        </p:nvPicPr>
+        <p:blipFill>
+          <a:blip r:embed="rId5"/>
+          <a:stretch>
+            <a:fillRect/>
+          </a:stretch>
+        </p:blipFill>
+        <p:spPr>
+          <a:xfrm>
+            <a:off x="9144203" y="3174140"/>
+            <a:ext cx="1433085" cy="1783601"/>
+          </a:xfrm>
+          <a:prstGeom prst="rect">
+            <a:avLst/>
+          </a:prstGeom>
+        </p:spPr>
+      </p:pic>
+      <p:sp>
+        <p:nvSpPr>
+          <p:cNvPr id="11" name="Left Brace 10"/>
+          <p:cNvSpPr/>
+          <p:nvPr/>
+        </p:nvSpPr>
+        <p:spPr>
+          <a:xfrm rot="5400000">
+            <a:off x="3990436" y="413396"/>
+            <a:ext cx="186702" cy="4860823"/>
+          </a:xfrm>
+          <a:prstGeom prst="leftBrace">
+            <a:avLst>
+              <a:gd name="adj1" fmla="val 29312"/>
+              <a:gd name="adj2" fmla="val 51784"/>
+            </a:avLst>
+          </a:prstGeom>
+          <a:ln w="28575"/>
+        </p:spPr>
+        <p:style>
+          <a:lnRef idx="1">
+            <a:schemeClr val="accent1"/>
+          </a:lnRef>
+          <a:fillRef idx="0">
+            <a:schemeClr val="accent1"/>
+          </a:fillRef>
+          <a:effectRef idx="0">
+            <a:schemeClr val="accent1"/>
+          </a:effectRef>
+          <a:fontRef idx="minor">
+            <a:schemeClr val="tx1"/>
+          </a:fontRef>
+        </p:style>
+        <p:txBody>
+          <a:bodyPr rtlCol="0" anchor="ctr"/>
+          <a:lstStyle/>
+          <a:p>
+            <a:pPr algn="ctr"/>
+            <a:endParaRPr lang="en-US">
+              <a:solidFill>
+                <a:schemeClr val="accent1">
+                  <a:lumMod val="75000"/>
+                </a:schemeClr>
+              </a:solidFill>
+            </a:endParaRPr>
+          </a:p>
+        </p:txBody>
+      </p:sp>
+      <p:sp>
+        <p:nvSpPr>
+          <p:cNvPr id="12" name="Left Brace 11"/>
+          <p:cNvSpPr/>
+          <p:nvPr/>
+        </p:nvSpPr>
+        <p:spPr>
+          <a:xfrm rot="5400000">
+            <a:off x="8743407" y="1103281"/>
+            <a:ext cx="186704" cy="3481058"/>
+          </a:xfrm>
+          <a:prstGeom prst="leftBrace">
+            <a:avLst>
+              <a:gd name="adj1" fmla="val 29312"/>
+              <a:gd name="adj2" fmla="val 51784"/>
+            </a:avLst>
+          </a:prstGeom>
+          <a:ln w="28575">
+            <a:solidFill>
+              <a:schemeClr val="accent6">
+                <a:lumMod val="75000"/>
+              </a:schemeClr>
+            </a:solidFill>
+          </a:ln>
+        </p:spPr>
+        <p:style>
+          <a:lnRef idx="1">
+            <a:schemeClr val="accent1"/>
+          </a:lnRef>
+          <a:fillRef idx="0">
+            <a:schemeClr val="accent1"/>
+          </a:fillRef>
+          <a:effectRef idx="0">
+            <a:schemeClr val="accent1"/>
+          </a:effectRef>
+          <a:fontRef idx="minor">
+            <a:schemeClr val="tx1"/>
+          </a:fontRef>
+        </p:style>
+        <p:txBody>
+          <a:bodyPr rtlCol="0" anchor="ctr"/>
+          <a:lstStyle/>
+          <a:p>
+            <a:pPr algn="ctr"/>
+            <a:endParaRPr lang="en-US"/>
+          </a:p>
+        </p:txBody>
+      </p:sp>
+      <p:sp>
+        <p:nvSpPr>
+          <p:cNvPr id="13" name="직사각형 30">
+            <a:extLst>
+              <a:ext uri="{FF2B5EF4-FFF2-40B4-BE49-F238E27FC236}">
+                <a16:creationId xmlns:a16="http://schemas.microsoft.com/office/drawing/2014/main" id="{8ACCE684-FB2E-48EC-B6E5-6C4F14043AFF}"/>
+              </a:ext>
+            </a:extLst>
+          </p:cNvPr>
+          <p:cNvSpPr/>
+          <p:nvPr/>
+        </p:nvSpPr>
+        <p:spPr>
+          <a:xfrm>
+            <a:off x="3499763" y="2295757"/>
+            <a:ext cx="1814557" cy="400110"/>
+          </a:xfrm>
+          <a:prstGeom prst="rect">
+            <a:avLst/>
+          </a:prstGeom>
+        </p:spPr>
+        <p:txBody>
+          <a:bodyPr wrap="square">
+            <a:spAutoFit/>
+          </a:bodyPr>
+          <a:lstStyle/>
+          <a:p>
+            <a:pPr marL="0" marR="0" lvl="0" indent="0" algn="l" defTabSz="914400" rtl="0" eaLnBrk="1" fontAlgn="auto" latinLnBrk="1" hangingPunct="1">
+              <a:lnSpc>
+                <a:spcPct val="100000"/>
+              </a:lnSpc>
+              <a:spcBef>
+                <a:spcPts val="0"/>
+              </a:spcBef>
+              <a:spcAft>
+                <a:spcPts val="0"/>
+              </a:spcAft>
+              <a:buClrTx/>
+              <a:buSzTx/>
+              <a:buFontTx/>
+              <a:buNone/>
+              <a:tabLst/>
+              <a:defRPr/>
+            </a:pPr>
+            <a:r>
+              <a:rPr lang="en-US" altLang="ko-KR" sz="2000" smtClean="0">
+                <a:solidFill>
+                  <a:schemeClr val="accent1">
+                    <a:lumMod val="75000"/>
+                  </a:schemeClr>
+                </a:solidFill>
+                <a:latin typeface="iCiel Panton Black Italic" panose="00000A00000000000000" pitchFamily="50" charset="0"/>
+                <a:ea typeface="Arial Unicode MS"/>
+              </a:rPr>
+              <a:t>Frontend</a:t>
+            </a:r>
+            <a:endParaRPr kumimoji="0" lang="ko-KR" altLang="en-US" sz="2000" b="0" i="0" u="none" strike="noStrike" kern="1200" cap="none" spc="0" normalizeH="0" baseline="0" noProof="0" dirty="0">
+              <a:ln>
+                <a:noFill/>
+              </a:ln>
+              <a:solidFill>
+                <a:schemeClr val="accent1">
+                  <a:lumMod val="75000"/>
+                </a:schemeClr>
+              </a:solidFill>
+              <a:effectLst/>
+              <a:uLnTx/>
+              <a:uFillTx/>
+              <a:latin typeface="iCiel Panton Black Italic" panose="00000A00000000000000" pitchFamily="50" charset="0"/>
+              <a:ea typeface="Arial Unicode MS"/>
+            </a:endParaRPr>
+          </a:p>
+        </p:txBody>
+      </p:sp>
+      <p:sp>
+        <p:nvSpPr>
+          <p:cNvPr id="14" name="직사각형 30">
+            <a:extLst>
+              <a:ext uri="{FF2B5EF4-FFF2-40B4-BE49-F238E27FC236}">
+                <a16:creationId xmlns:a16="http://schemas.microsoft.com/office/drawing/2014/main" id="{8ACCE684-FB2E-48EC-B6E5-6C4F14043AFF}"/>
+              </a:ext>
+            </a:extLst>
+          </p:cNvPr>
+          <p:cNvSpPr/>
+          <p:nvPr/>
+        </p:nvSpPr>
+        <p:spPr>
+          <a:xfrm>
+            <a:off x="8135326" y="2292936"/>
+            <a:ext cx="1814557" cy="400110"/>
+          </a:xfrm>
+          <a:prstGeom prst="rect">
+            <a:avLst/>
+          </a:prstGeom>
+        </p:spPr>
+        <p:txBody>
+          <a:bodyPr wrap="square">
+            <a:spAutoFit/>
+          </a:bodyPr>
+          <a:lstStyle/>
+          <a:p>
+            <a:pPr marL="0" marR="0" lvl="0" indent="0" algn="l" defTabSz="914400" rtl="0" eaLnBrk="1" fontAlgn="auto" latinLnBrk="1" hangingPunct="1">
+              <a:lnSpc>
+                <a:spcPct val="100000"/>
+              </a:lnSpc>
+              <a:spcBef>
+                <a:spcPts val="0"/>
+              </a:spcBef>
+              <a:spcAft>
+                <a:spcPts val="0"/>
+              </a:spcAft>
+              <a:buClrTx/>
+              <a:buSzTx/>
+              <a:buFontTx/>
+              <a:buNone/>
+              <a:tabLst/>
+              <a:defRPr/>
+            </a:pPr>
+            <a:r>
+              <a:rPr lang="en-US" altLang="ko-KR" sz="2000" smtClean="0">
+                <a:solidFill>
+                  <a:schemeClr val="accent6">
+                    <a:lumMod val="75000"/>
+                  </a:schemeClr>
+                </a:solidFill>
+                <a:latin typeface="iCiel Panton Black Italic" panose="00000A00000000000000" pitchFamily="50" charset="0"/>
+                <a:ea typeface="Arial Unicode MS"/>
+              </a:rPr>
+              <a:t>Backend</a:t>
+            </a:r>
+            <a:endParaRPr kumimoji="0" lang="ko-KR" altLang="en-US" sz="2000" b="0" i="0" u="none" strike="noStrike" kern="1200" cap="none" spc="0" normalizeH="0" baseline="0" noProof="0" dirty="0">
+              <a:ln>
+                <a:noFill/>
+              </a:ln>
+              <a:solidFill>
+                <a:schemeClr val="accent6">
+                  <a:lumMod val="75000"/>
+                </a:schemeClr>
+              </a:solidFill>
+              <a:effectLst/>
+              <a:uLnTx/>
+              <a:uFillTx/>
+              <a:latin typeface="iCiel Panton Black Italic" panose="00000A00000000000000" pitchFamily="50" charset="0"/>
+              <a:ea typeface="Arial Unicode MS"/>
+            </a:endParaRPr>
+          </a:p>
+        </p:txBody>
+      </p:sp>
+      <p:sp>
+        <p:nvSpPr>
+          <p:cNvPr id="15" name="Rectangle 14"/>
+          <p:cNvSpPr/>
+          <p:nvPr/>
+        </p:nvSpPr>
+        <p:spPr>
+          <a:xfrm>
+            <a:off x="-6286188" y="646331"/>
+            <a:ext cx="6096000" cy="923330"/>
+          </a:xfrm>
+          <a:prstGeom prst="rect">
+            <a:avLst/>
+          </a:prstGeom>
+        </p:spPr>
+        <p:txBody>
+          <a:bodyPr>
+            <a:spAutoFit/>
+          </a:bodyPr>
+          <a:lstStyle/>
+          <a:p>
+            <a:r>
+              <a:rPr lang="en-US">
+                <a:latin typeface="Times New Roman" panose="02020603050405020304" pitchFamily="18" charset="0"/>
+                <a:ea typeface="Calibri" panose="020F0502020204030204" pitchFamily="34" charset="0"/>
+              </a:rPr>
+              <a:t>HTML cho phép tạo ra các phần tử khác nhau trên trang web, chẳng hạn như đoạn văn bản, hình ảnh, bảng, đường liên kết và biểu mẫu. </a:t>
+            </a:r>
+            <a:endParaRPr lang="en-US"/>
+          </a:p>
+        </p:txBody>
+      </p:sp>
+      <p:sp>
+        <p:nvSpPr>
+          <p:cNvPr id="16" name="Rectangle 15"/>
+          <p:cNvSpPr/>
+          <p:nvPr/>
+        </p:nvSpPr>
+        <p:spPr>
+          <a:xfrm>
+            <a:off x="-6713170" y="1585050"/>
+            <a:ext cx="6096000" cy="923330"/>
+          </a:xfrm>
+          <a:prstGeom prst="rect">
+            <a:avLst/>
+          </a:prstGeom>
+        </p:spPr>
+        <p:txBody>
+          <a:bodyPr>
+            <a:spAutoFit/>
+          </a:bodyPr>
+          <a:lstStyle/>
+          <a:p>
+            <a:r>
+              <a:rPr lang="en-US">
+                <a:latin typeface="Times New Roman" panose="02020603050405020304" pitchFamily="18" charset="0"/>
+                <a:ea typeface="Calibri" panose="020F0502020204030204" pitchFamily="34" charset="0"/>
+              </a:rPr>
+              <a:t>Với CSS, người dùng có thể tạo ra các kiểu khác nhau cho phần tử HTML, chẳng hạn như màu sắc, font chữ, kích thước, khoảng cách và hình dạng.</a:t>
+            </a:r>
+            <a:endParaRPr lang="en-US"/>
+          </a:p>
+        </p:txBody>
+      </p:sp>
+      <p:sp>
+        <p:nvSpPr>
+          <p:cNvPr id="17" name="Rectangle 16"/>
+          <p:cNvSpPr/>
+          <p:nvPr/>
+        </p:nvSpPr>
+        <p:spPr>
+          <a:xfrm>
+            <a:off x="-6713170" y="2508380"/>
+            <a:ext cx="6628738" cy="369332"/>
+          </a:xfrm>
+          <a:prstGeom prst="rect">
+            <a:avLst/>
+          </a:prstGeom>
+        </p:spPr>
+        <p:txBody>
+          <a:bodyPr wrap="none">
+            <a:spAutoFit/>
+          </a:bodyPr>
+          <a:lstStyle/>
+          <a:p>
+            <a:r>
+              <a:rPr lang="en-US">
+                <a:latin typeface="Times New Roman" panose="02020603050405020304" pitchFamily="18" charset="0"/>
+                <a:ea typeface="Calibri" panose="020F0502020204030204" pitchFamily="34" charset="0"/>
+              </a:rPr>
+              <a:t>Javascript là một ngôn ngữ thông </a:t>
+            </a:r>
+            <a:r>
+              <a:rPr lang="en-US" smtClean="0">
+                <a:latin typeface="Times New Roman" panose="02020603050405020304" pitchFamily="18" charset="0"/>
+                <a:ea typeface="Calibri" panose="020F0502020204030204" pitchFamily="34" charset="0"/>
+              </a:rPr>
+              <a:t>dịch, tạo sự linh hoạt cho trang web</a:t>
+            </a:r>
+            <a:endParaRPr lang="en-US"/>
+          </a:p>
+        </p:txBody>
+      </p:sp>
+      <p:sp>
+        <p:nvSpPr>
+          <p:cNvPr id="18" name="Rectangle 17"/>
+          <p:cNvSpPr/>
+          <p:nvPr/>
+        </p:nvSpPr>
+        <p:spPr>
+          <a:xfrm>
+            <a:off x="12276052" y="357175"/>
+            <a:ext cx="5287497" cy="2086725"/>
+          </a:xfrm>
+          <a:prstGeom prst="rect">
+            <a:avLst/>
+          </a:prstGeom>
+        </p:spPr>
+        <p:txBody>
+          <a:bodyPr wrap="square">
+            <a:spAutoFit/>
+          </a:bodyPr>
+          <a:lstStyle/>
+          <a:p>
+            <a:pPr indent="457200">
+              <a:lnSpc>
+                <a:spcPct val="120000"/>
+              </a:lnSpc>
+              <a:spcBef>
+                <a:spcPts val="600"/>
+              </a:spcBef>
+              <a:spcAft>
+                <a:spcPts val="600"/>
+              </a:spcAft>
+            </a:pPr>
+            <a:r>
+              <a:rPr lang="en-US">
+                <a:latin typeface="Times New Roman" panose="02020603050405020304" pitchFamily="18" charset="0"/>
+                <a:ea typeface="Calibri" panose="020F0502020204030204" pitchFamily="34" charset="0"/>
+              </a:rPr>
+              <a:t>Node.js cung cấp một hệ sinh thái phong phú của các module và thư viện được xây dựng trên nền tảng của nó, giúp cho các lập trình viên dễ dàng tạo ra các ứng dụng web động và ứng dụng mạng hiệu quả, với các tính năng như xử lý yêu cầu đồng thời, xử lý dữ liệu trên server-side, và tương tác với các cơ sở dữ liệu.</a:t>
+            </a:r>
+          </a:p>
+        </p:txBody>
+      </p:sp>
+      <p:sp>
+        <p:nvSpPr>
+          <p:cNvPr id="19" name="Rectangle 18"/>
+          <p:cNvSpPr/>
+          <p:nvPr/>
+        </p:nvSpPr>
+        <p:spPr>
+          <a:xfrm>
+            <a:off x="-6286188" y="4163123"/>
+            <a:ext cx="6096000" cy="1421928"/>
+          </a:xfrm>
+          <a:prstGeom prst="rect">
+            <a:avLst/>
+          </a:prstGeom>
+        </p:spPr>
+        <p:txBody>
+          <a:bodyPr>
+            <a:spAutoFit/>
+          </a:bodyPr>
+          <a:lstStyle/>
+          <a:p>
+            <a:pPr indent="457200">
+              <a:lnSpc>
+                <a:spcPct val="120000"/>
+              </a:lnSpc>
+              <a:spcBef>
+                <a:spcPts val="600"/>
+              </a:spcBef>
+              <a:spcAft>
+                <a:spcPts val="600"/>
+              </a:spcAft>
+            </a:pPr>
+            <a:r>
+              <a:rPr lang="en-US">
+                <a:latin typeface="Times New Roman" panose="02020603050405020304" pitchFamily="18" charset="0"/>
+                <a:ea typeface="Calibri" panose="020F0502020204030204" pitchFamily="34" charset="0"/>
+              </a:rPr>
+              <a:t>ReactJS cũng cung cấp các tính năng như việc tái sử dụng các thành phần UI, virtual DOM để cải thiện hiệu suất, và khả năng tích hợp với các thư viện khác để phát triển các ứng dụng đa dạng.</a:t>
+            </a:r>
+          </a:p>
+        </p:txBody>
+      </p:sp>
+      <p:sp>
+        <p:nvSpPr>
+          <p:cNvPr id="21" name="Rectangle 20"/>
+          <p:cNvSpPr/>
+          <p:nvPr/>
+        </p:nvSpPr>
+        <p:spPr>
+          <a:xfrm>
+            <a:off x="12276052" y="2962794"/>
+            <a:ext cx="5287497" cy="1754326"/>
+          </a:xfrm>
+          <a:prstGeom prst="rect">
+            <a:avLst/>
+          </a:prstGeom>
+        </p:spPr>
+        <p:txBody>
+          <a:bodyPr wrap="square">
+            <a:spAutoFit/>
+          </a:bodyPr>
+          <a:lstStyle/>
+          <a:p>
+            <a:r>
+              <a:rPr lang="vi-VN">
+                <a:latin typeface="Times New Roman" panose="02020603050405020304" pitchFamily="18" charset="0"/>
+                <a:cs typeface="Times New Roman" panose="02020603050405020304" pitchFamily="18" charset="0"/>
+              </a:rPr>
+              <a:t>MongoDB là một hệ thống cơ sở dữ liệu phi quan hệ (NoSQL) phổ </a:t>
+            </a:r>
+            <a:r>
+              <a:rPr lang="vi-VN" smtClean="0">
+                <a:latin typeface="Times New Roman" panose="02020603050405020304" pitchFamily="18" charset="0"/>
+                <a:cs typeface="Times New Roman" panose="02020603050405020304" pitchFamily="18" charset="0"/>
+              </a:rPr>
+              <a:t>biến</a:t>
+            </a:r>
+            <a:r>
+              <a:rPr lang="en-US" smtClean="0">
+                <a:latin typeface="Times New Roman" panose="02020603050405020304" pitchFamily="18" charset="0"/>
+                <a:cs typeface="Times New Roman" panose="02020603050405020304" pitchFamily="18" charset="0"/>
+              </a:rPr>
+              <a:t>.</a:t>
+            </a:r>
+            <a:r>
+              <a:rPr lang="vi-VN" smtClean="0">
+                <a:latin typeface="Times New Roman" panose="02020603050405020304" pitchFamily="18" charset="0"/>
+                <a:cs typeface="Times New Roman" panose="02020603050405020304" pitchFamily="18" charset="0"/>
+              </a:rPr>
+              <a:t>nếu bạn đang xây dựng một ứng dụng đòi hỏi tính linh hoạt cao, tốc độ và hiệu suất, tính sẵn sàng, tính khả chuyển và tính bảo mật, MongoDB là một lựa chọn tốt cho hệ thống cơ sở dữ liệu của bạn.</a:t>
+            </a:r>
+            <a:endParaRPr lang="en-US">
+              <a:latin typeface="Times New Roman" panose="02020603050405020304" pitchFamily="18" charset="0"/>
+              <a:cs typeface="Times New Roman" panose="02020603050405020304" pitchFamily="18" charset="0"/>
+            </a:endParaRPr>
+          </a:p>
+        </p:txBody>
+      </p:sp>
+    </p:spTree>
+    <p:extLst>
+      <p:ext uri="{BB962C8B-B14F-4D97-AF65-F5344CB8AC3E}">
+        <p14:creationId xmlns:p14="http://schemas.microsoft.com/office/powerpoint/2010/main" val="3963054981"/>
+      </p:ext>
+    </p:extLst>
+  </p:cSld>
+  <p:clrMapOvr>
+    <a:masterClrMapping/>
+  </p:clrMapOvr>
+  <p:timing>
+    <p:tnLst>
+      <p:par>
+        <p:cTn id="1" dur="indefinite" restart="never" nodeType="tmRoot">
+          <p:childTnLst>
+            <p:seq concurrent="1" nextAc="seek">
+              <p:cTn id="2" dur="indefinite" nodeType="mainSeq">
+                <p:childTnLst>
+                  <p:par>
+                    <p:cTn id="3" fill="hold">
+                      <p:stCondLst>
+                        <p:cond delay="indefinite"/>
+                      </p:stCondLst>
+                      <p:childTnLst>
+                        <p:par>
+                          <p:cTn id="4" fill="hold">
+                            <p:stCondLst>
+                              <p:cond delay="0"/>
+                            </p:stCondLst>
+                            <p:childTnLst>
+                              <p:par>
+                                <p:cTn id="5" presetID="42" presetClass="entr" presetSubtype="0" fill="hold" nodeType="clickEffect">
+                                  <p:stCondLst>
+                                    <p:cond delay="0"/>
+                                  </p:stCondLst>
+                                  <p:childTnLst>
+                                    <p:set>
+                                      <p:cBhvr>
+                                        <p:cTn id="6" dur="1" fill="hold">
+                                          <p:stCondLst>
+                                            <p:cond delay="0"/>
+                                          </p:stCondLst>
+                                        </p:cTn>
+                                        <p:tgtEl>
+                                          <p:spTgt spid="2"/>
+                                        </p:tgtEl>
+                                        <p:attrNameLst>
+                                          <p:attrName>style.visibility</p:attrName>
+                                        </p:attrNameLst>
+                                      </p:cBhvr>
+                                      <p:to>
+                                        <p:strVal val="visible"/>
+                                      </p:to>
+                                    </p:set>
+                                    <p:animEffect transition="in" filter="fade">
+                                      <p:cBhvr>
+                                        <p:cTn id="7" dur="1000"/>
+                                        <p:tgtEl>
+                                          <p:spTgt spid="2"/>
+                                        </p:tgtEl>
+                                      </p:cBhvr>
+                                    </p:animEffect>
+                                    <p:anim calcmode="lin" valueType="num">
+                                      <p:cBhvr>
+                                        <p:cTn id="8" dur="1000" fill="hold"/>
+                                        <p:tgtEl>
+                                          <p:spTgt spid="2"/>
+                                        </p:tgtEl>
+                                        <p:attrNameLst>
+                                          <p:attrName>ppt_x</p:attrName>
+                                        </p:attrNameLst>
+                                      </p:cBhvr>
+                                      <p:tavLst>
+                                        <p:tav tm="0">
+                                          <p:val>
+                                            <p:strVal val="#ppt_x"/>
+                                          </p:val>
+                                        </p:tav>
+                                        <p:tav tm="100000">
+                                          <p:val>
+                                            <p:strVal val="#ppt_x"/>
+                                          </p:val>
+                                        </p:tav>
+                                      </p:tavLst>
+                                    </p:anim>
+                                    <p:anim calcmode="lin" valueType="num">
+                                      <p:cBhvr>
+                                        <p:cTn id="9" dur="1000" fill="hold"/>
+                                        <p:tgtEl>
+                                          <p:spTgt spid="2"/>
+                                        </p:tgtEl>
+                                        <p:attrNameLst>
+                                          <p:attrName>ppt_y</p:attrName>
+                                        </p:attrNameLst>
+                                      </p:cBhvr>
+                                      <p:tavLst>
+                                        <p:tav tm="0">
+                                          <p:val>
+                                            <p:strVal val="#ppt_y+.1"/>
+                                          </p:val>
+                                        </p:tav>
+                                        <p:tav tm="100000">
+                                          <p:val>
+                                            <p:strVal val="#ppt_y"/>
+                                          </p:val>
+                                        </p:tav>
+                                      </p:tavLst>
+                                    </p:anim>
+                                  </p:childTnLst>
+                                </p:cTn>
+                              </p:par>
+                            </p:childTnLst>
+                          </p:cTn>
+                        </p:par>
+                      </p:childTnLst>
+                    </p:cTn>
+                  </p:par>
+                  <p:par>
+                    <p:cTn id="10" fill="hold">
+                      <p:stCondLst>
+                        <p:cond delay="indefinite"/>
+                      </p:stCondLst>
+                      <p:childTnLst>
+                        <p:par>
+                          <p:cTn id="11" fill="hold">
+                            <p:stCondLst>
+                              <p:cond delay="0"/>
+                            </p:stCondLst>
+                            <p:childTnLst>
+                              <p:par>
+                                <p:cTn id="12" presetID="42" presetClass="entr" presetSubtype="0" fill="hold" nodeType="clickEffect">
+                                  <p:stCondLst>
+                                    <p:cond delay="0"/>
+                                  </p:stCondLst>
+                                  <p:childTnLst>
+                                    <p:set>
+                                      <p:cBhvr>
+                                        <p:cTn id="13" dur="1" fill="hold">
+                                          <p:stCondLst>
+                                            <p:cond delay="0"/>
+                                          </p:stCondLst>
+                                        </p:cTn>
+                                        <p:tgtEl>
+                                          <p:spTgt spid="7"/>
+                                        </p:tgtEl>
+                                        <p:attrNameLst>
+                                          <p:attrName>style.visibility</p:attrName>
+                                        </p:attrNameLst>
+                                      </p:cBhvr>
+                                      <p:to>
+                                        <p:strVal val="visible"/>
+                                      </p:to>
+                                    </p:set>
+                                    <p:animEffect transition="in" filter="fade">
+                                      <p:cBhvr>
+                                        <p:cTn id="14" dur="1000"/>
+                                        <p:tgtEl>
+                                          <p:spTgt spid="7"/>
+                                        </p:tgtEl>
+                                      </p:cBhvr>
+                                    </p:animEffect>
+                                    <p:anim calcmode="lin" valueType="num">
+                                      <p:cBhvr>
+                                        <p:cTn id="15" dur="1000" fill="hold"/>
+                                        <p:tgtEl>
+                                          <p:spTgt spid="7"/>
+                                        </p:tgtEl>
+                                        <p:attrNameLst>
+                                          <p:attrName>ppt_x</p:attrName>
+                                        </p:attrNameLst>
+                                      </p:cBhvr>
+                                      <p:tavLst>
+                                        <p:tav tm="0">
+                                          <p:val>
+                                            <p:strVal val="#ppt_x"/>
+                                          </p:val>
+                                        </p:tav>
+                                        <p:tav tm="100000">
+                                          <p:val>
+                                            <p:strVal val="#ppt_x"/>
+                                          </p:val>
+                                        </p:tav>
+                                      </p:tavLst>
+                                    </p:anim>
+                                    <p:anim calcmode="lin" valueType="num">
+                                      <p:cBhvr>
+                                        <p:cTn id="16" dur="1000" fill="hold"/>
+                                        <p:tgtEl>
+                                          <p:spTgt spid="7"/>
+                                        </p:tgtEl>
+                                        <p:attrNameLst>
+                                          <p:attrName>ppt_y</p:attrName>
+                                        </p:attrNameLst>
+                                      </p:cBhvr>
+                                      <p:tavLst>
+                                        <p:tav tm="0">
+                                          <p:val>
+                                            <p:strVal val="#ppt_y+.1"/>
+                                          </p:val>
+                                        </p:tav>
+                                        <p:tav tm="100000">
+                                          <p:val>
+                                            <p:strVal val="#ppt_y"/>
+                                          </p:val>
+                                        </p:tav>
+                                      </p:tavLst>
+                                    </p:anim>
+                                  </p:childTnLst>
+                                </p:cTn>
+                              </p:par>
+                            </p:childTnLst>
+                          </p:cTn>
+                        </p:par>
+                      </p:childTnLst>
+                    </p:cTn>
+                  </p:par>
+                  <p:par>
+                    <p:cTn id="17" fill="hold">
+                      <p:stCondLst>
+                        <p:cond delay="indefinite"/>
+                      </p:stCondLst>
+                      <p:childTnLst>
+                        <p:par>
+                          <p:cTn id="18" fill="hold">
+                            <p:stCondLst>
+                              <p:cond delay="0"/>
+                            </p:stCondLst>
+                            <p:childTnLst>
+                              <p:par>
+                                <p:cTn id="19" presetID="42" presetClass="entr" presetSubtype="0" fill="hold" nodeType="clickEffect">
+                                  <p:stCondLst>
+                                    <p:cond delay="0"/>
+                                  </p:stCondLst>
+                                  <p:childTnLst>
+                                    <p:set>
+                                      <p:cBhvr>
+                                        <p:cTn id="20" dur="1" fill="hold">
+                                          <p:stCondLst>
+                                            <p:cond delay="0"/>
+                                          </p:stCondLst>
+                                        </p:cTn>
+                                        <p:tgtEl>
+                                          <p:spTgt spid="8"/>
+                                        </p:tgtEl>
+                                        <p:attrNameLst>
+                                          <p:attrName>style.visibility</p:attrName>
+                                        </p:attrNameLst>
+                                      </p:cBhvr>
+                                      <p:to>
+                                        <p:strVal val="visible"/>
+                                      </p:to>
+                                    </p:set>
+                                    <p:animEffect transition="in" filter="fade">
+                                      <p:cBhvr>
+                                        <p:cTn id="21" dur="1000"/>
+                                        <p:tgtEl>
+                                          <p:spTgt spid="8"/>
+                                        </p:tgtEl>
+                                      </p:cBhvr>
+                                    </p:animEffect>
+                                    <p:anim calcmode="lin" valueType="num">
+                                      <p:cBhvr>
+                                        <p:cTn id="22" dur="1000" fill="hold"/>
+                                        <p:tgtEl>
+                                          <p:spTgt spid="8"/>
+                                        </p:tgtEl>
+                                        <p:attrNameLst>
+                                          <p:attrName>ppt_x</p:attrName>
+                                        </p:attrNameLst>
+                                      </p:cBhvr>
+                                      <p:tavLst>
+                                        <p:tav tm="0">
+                                          <p:val>
+                                            <p:strVal val="#ppt_x"/>
+                                          </p:val>
+                                        </p:tav>
+                                        <p:tav tm="100000">
+                                          <p:val>
+                                            <p:strVal val="#ppt_x"/>
+                                          </p:val>
+                                        </p:tav>
+                                      </p:tavLst>
+                                    </p:anim>
+                                    <p:anim calcmode="lin" valueType="num">
+                                      <p:cBhvr>
+                                        <p:cTn id="23" dur="1000" fill="hold"/>
+                                        <p:tgtEl>
+                                          <p:spTgt spid="8"/>
+                                        </p:tgtEl>
+                                        <p:attrNameLst>
+                                          <p:attrName>ppt_y</p:attrName>
+                                        </p:attrNameLst>
+                                      </p:cBhvr>
+                                      <p:tavLst>
+                                        <p:tav tm="0">
+                                          <p:val>
+                                            <p:strVal val="#ppt_y+.1"/>
+                                          </p:val>
+                                        </p:tav>
+                                        <p:tav tm="100000">
+                                          <p:val>
+                                            <p:strVal val="#ppt_y"/>
+                                          </p:val>
+                                        </p:tav>
+                                      </p:tavLst>
+                                    </p:anim>
+                                  </p:childTnLst>
+                                </p:cTn>
+                              </p:par>
+                            </p:childTnLst>
+                          </p:cTn>
+                        </p:par>
+                      </p:childTnLst>
+                    </p:cTn>
+                  </p:par>
+                  <p:par>
+                    <p:cTn id="24" fill="hold">
+                      <p:stCondLst>
+                        <p:cond delay="indefinite"/>
+                      </p:stCondLst>
+                      <p:childTnLst>
+                        <p:par>
+                          <p:cTn id="25" fill="hold">
+                            <p:stCondLst>
+                              <p:cond delay="0"/>
+                            </p:stCondLst>
+                            <p:childTnLst>
+                              <p:par>
+                                <p:cTn id="26" presetID="42" presetClass="entr" presetSubtype="0" fill="hold" nodeType="clickEffect">
+                                  <p:stCondLst>
+                                    <p:cond delay="0"/>
+                                  </p:stCondLst>
+                                  <p:childTnLst>
+                                    <p:set>
+                                      <p:cBhvr>
+                                        <p:cTn id="27" dur="1" fill="hold">
+                                          <p:stCondLst>
+                                            <p:cond delay="0"/>
+                                          </p:stCondLst>
+                                        </p:cTn>
+                                        <p:tgtEl>
+                                          <p:spTgt spid="9"/>
+                                        </p:tgtEl>
+                                        <p:attrNameLst>
+                                          <p:attrName>style.visibility</p:attrName>
+                                        </p:attrNameLst>
+                                      </p:cBhvr>
+                                      <p:to>
+                                        <p:strVal val="visible"/>
+                                      </p:to>
+                                    </p:set>
+                                    <p:animEffect transition="in" filter="fade">
+                                      <p:cBhvr>
+                                        <p:cTn id="28" dur="1000"/>
+                                        <p:tgtEl>
+                                          <p:spTgt spid="9"/>
+                                        </p:tgtEl>
+                                      </p:cBhvr>
+                                    </p:animEffect>
+                                    <p:anim calcmode="lin" valueType="num">
+                                      <p:cBhvr>
+                                        <p:cTn id="29" dur="1000" fill="hold"/>
+                                        <p:tgtEl>
+                                          <p:spTgt spid="9"/>
+                                        </p:tgtEl>
+                                        <p:attrNameLst>
+                                          <p:attrName>ppt_x</p:attrName>
+                                        </p:attrNameLst>
+                                      </p:cBhvr>
+                                      <p:tavLst>
+                                        <p:tav tm="0">
+                                          <p:val>
+                                            <p:strVal val="#ppt_x"/>
+                                          </p:val>
+                                        </p:tav>
+                                        <p:tav tm="100000">
+                                          <p:val>
+                                            <p:strVal val="#ppt_x"/>
+                                          </p:val>
+                                        </p:tav>
+                                      </p:tavLst>
+                                    </p:anim>
+                                    <p:anim calcmode="lin" valueType="num">
+                                      <p:cBhvr>
+                                        <p:cTn id="30" dur="1000" fill="hold"/>
+                                        <p:tgtEl>
+                                          <p:spTgt spid="9"/>
+                                        </p:tgtEl>
+                                        <p:attrNameLst>
+                                          <p:attrName>ppt_y</p:attrName>
+                                        </p:attrNameLst>
+                                      </p:cBhvr>
+                                      <p:tavLst>
+                                        <p:tav tm="0">
+                                          <p:val>
+                                            <p:strVal val="#ppt_y+.1"/>
+                                          </p:val>
+                                        </p:tav>
+                                        <p:tav tm="100000">
+                                          <p:val>
+                                            <p:strVal val="#ppt_y"/>
+                                          </p:val>
+                                        </p:tav>
+                                      </p:tavLst>
+                                    </p:anim>
+                                  </p:childTnLst>
+                                </p:cTn>
+                              </p:par>
+                            </p:childTnLst>
+                          </p:cTn>
+                        </p:par>
+                      </p:childTnLst>
+                    </p:cTn>
+                  </p:par>
+                </p:childTnLst>
+              </p:cTn>
+              <p:prevCondLst>
+                <p:cond evt="onPrev" delay="0">
+                  <p:tgtEl>
+                    <p:sldTgt/>
+                  </p:tgtEl>
+                </p:cond>
+              </p:prevCondLst>
+              <p:nextCondLst>
+                <p:cond evt="onNext" delay="0">
+                  <p:tgtEl>
+                    <p:sldTgt/>
+                  </p:tgtEl>
+                </p:cond>
+              </p:nextCondLst>
+            </p:seq>
+          </p:childTnLst>
+        </p:cTn>
+      </p:par>
+    </p:tnLst>
+  </p:timing>
+</p:sld>
+</file>
+
+<file path=ppt/slides/slide9.xml><?xml version="1.0" encoding="utf-8"?>
+<p:sld xmlns:a="http://schemas.openxmlformats.org/drawingml/2006/main" xmlns:r="http://schemas.openxmlformats.org/officeDocument/2006/relationships" xmlns:p="http://schemas.openxmlformats.org/presentationml/2006/main">
+  <p:cSld>
+    <p:spTree>
+      <p:nvGrpSpPr>
+        <p:cNvPr id="1" name=""/>
+        <p:cNvGrpSpPr/>
+        <p:nvPr/>
+      </p:nvGrpSpPr>
+      <p:grpSpPr>
+        <a:xfrm>
+          <a:off x="0" y="0"/>
+          <a:ext cx="0" cy="0"/>
+          <a:chOff x="0" y="0"/>
+          <a:chExt cx="0" cy="0"/>
+        </a:xfrm>
+      </p:grpSpPr>
+      <p:sp>
+        <p:nvSpPr>
+          <p:cNvPr id="3" name="직사각형 5">
+            <a:extLst>
+              <a:ext uri="{FF2B5EF4-FFF2-40B4-BE49-F238E27FC236}">
+                <a16:creationId xmlns:a16="http://schemas.microsoft.com/office/drawing/2014/main" id="{FF554DC2-BA96-4481-96E1-7C3432A3BF15}"/>
+              </a:ext>
+            </a:extLst>
+          </p:cNvPr>
+          <p:cNvSpPr/>
+          <p:nvPr/>
+        </p:nvSpPr>
+        <p:spPr>
+          <a:xfrm>
+            <a:off x="400050" y="0"/>
+            <a:ext cx="1771650" cy="1446550"/>
+          </a:xfrm>
+          <a:prstGeom prst="rect">
+            <a:avLst/>
+          </a:prstGeom>
+        </p:spPr>
+        <p:txBody>
+          <a:bodyPr wrap="square" anchor="ctr" anchorCtr="0">
+            <a:spAutoFit/>
+          </a:bodyPr>
+          <a:lstStyle/>
+          <a:p>
+            <a:pPr marL="0" marR="0" lvl="0" indent="0" algn="l" defTabSz="914400" rtl="0" eaLnBrk="1" fontAlgn="auto" latinLnBrk="1" hangingPunct="1">
+              <a:lnSpc>
+                <a:spcPct val="100000"/>
+              </a:lnSpc>
+              <a:spcBef>
+                <a:spcPts val="0"/>
+              </a:spcBef>
+              <a:spcAft>
+                <a:spcPts val="0"/>
+              </a:spcAft>
+              <a:buClrTx/>
+              <a:buSzTx/>
+              <a:buFontTx/>
+              <a:buNone/>
+              <a:tabLst/>
+              <a:defRPr/>
+            </a:pPr>
+            <a:r>
+              <a:rPr kumimoji="0" lang="en-US" altLang="ko-KR" sz="8800" b="0" i="0" u="none" strike="noStrike" kern="1200" cap="none" spc="0" normalizeH="0" baseline="0" noProof="0" smtClean="0">
+                <a:ln>
+                  <a:noFill/>
+                </a:ln>
+                <a:solidFill>
+                  <a:prstClr val="white"/>
+                </a:solidFill>
+                <a:effectLst/>
+                <a:uLnTx/>
+                <a:uFillTx/>
+                <a:latin typeface="Poppins SemiBold"/>
+                <a:ea typeface="Arial Unicode MS"/>
+                <a:cs typeface="+mn-cs"/>
+              </a:rPr>
+              <a:t>02.</a:t>
+            </a:r>
+            <a:endParaRPr kumimoji="0" lang="ko-KR" altLang="en-US" sz="8800" b="0" i="0" u="none" strike="noStrike" kern="1200" cap="none" spc="0" normalizeH="0" baseline="0" noProof="0" dirty="0">
+              <a:ln>
+                <a:noFill/>
+              </a:ln>
+              <a:solidFill>
+                <a:prstClr val="white"/>
+              </a:solidFill>
+              <a:effectLst/>
+              <a:uLnTx/>
+              <a:uFillTx/>
+              <a:latin typeface="Poppins SemiBold"/>
+              <a:ea typeface="Arial Unicode MS"/>
+              <a:cs typeface="+mn-cs"/>
+            </a:endParaRPr>
+          </a:p>
+        </p:txBody>
+      </p:sp>
+      <p:sp>
+        <p:nvSpPr>
+          <p:cNvPr id="4" name="TextBox 3"/>
+          <p:cNvSpPr txBox="1"/>
+          <p:nvPr/>
+        </p:nvSpPr>
+        <p:spPr>
+          <a:xfrm>
+            <a:off x="3276600" y="461665"/>
+            <a:ext cx="7429500" cy="646331"/>
+          </a:xfrm>
+          <a:prstGeom prst="rect">
+            <a:avLst/>
+          </a:prstGeom>
+          <a:noFill/>
+        </p:spPr>
+        <p:txBody>
+          <a:bodyPr wrap="square" rtlCol="0">
+            <a:spAutoFit/>
+          </a:bodyPr>
+          <a:lstStyle/>
+          <a:p>
+            <a:pPr marL="0" marR="0" lvl="0" indent="0" algn="l" defTabSz="914400" rtl="0" eaLnBrk="1" fontAlgn="auto" latinLnBrk="1" hangingPunct="1">
+              <a:lnSpc>
+                <a:spcPct val="100000"/>
+              </a:lnSpc>
+              <a:spcBef>
+                <a:spcPts val="0"/>
+              </a:spcBef>
+              <a:spcAft>
+                <a:spcPts val="0"/>
+              </a:spcAft>
+              <a:buClrTx/>
+              <a:buSzTx/>
+              <a:buFontTx/>
+              <a:buNone/>
+              <a:tabLst/>
+              <a:defRPr/>
+            </a:pPr>
+            <a:r>
+              <a:rPr lang="en-US" sz="3600">
+                <a:solidFill>
+                  <a:srgbClr val="5B9BD5">
+                    <a:lumMod val="75000"/>
+                  </a:srgbClr>
+                </a:solidFill>
+                <a:latin typeface="iCiel Panton Black" panose="00000A00000000000000" pitchFamily="50" charset="0"/>
+                <a:ea typeface="Arial Unicode MS"/>
+              </a:rPr>
+              <a:t>2</a:t>
+            </a:r>
+            <a:r>
+              <a:rPr kumimoji="0" lang="en-US" sz="3600" b="0" i="0" u="none" strike="noStrike" kern="1200" cap="none" spc="0" normalizeH="0" baseline="0" noProof="0" smtClean="0">
+                <a:ln>
+                  <a:noFill/>
+                </a:ln>
+                <a:solidFill>
+                  <a:srgbClr val="5B9BD5">
+                    <a:lumMod val="75000"/>
+                  </a:srgbClr>
+                </a:solidFill>
+                <a:effectLst/>
+                <a:uLnTx/>
+                <a:uFillTx/>
+                <a:latin typeface="iCiel Panton Black" panose="00000A00000000000000" pitchFamily="50" charset="0"/>
+                <a:ea typeface="Arial Unicode MS"/>
+                <a:cs typeface="+mn-cs"/>
+              </a:rPr>
+              <a:t>. CÁC</a:t>
+            </a:r>
+            <a:r>
+              <a:rPr kumimoji="0" lang="en-US" sz="3600" b="0" i="0" u="none" strike="noStrike" kern="1200" cap="none" spc="0" normalizeH="0" noProof="0" smtClean="0">
+                <a:ln>
+                  <a:noFill/>
+                </a:ln>
+                <a:solidFill>
+                  <a:srgbClr val="5B9BD5">
+                    <a:lumMod val="75000"/>
+                  </a:srgbClr>
+                </a:solidFill>
+                <a:effectLst/>
+                <a:uLnTx/>
+                <a:uFillTx/>
+                <a:latin typeface="iCiel Panton Black" panose="00000A00000000000000" pitchFamily="50" charset="0"/>
+                <a:ea typeface="Arial Unicode MS"/>
+                <a:cs typeface="+mn-cs"/>
+              </a:rPr>
+              <a:t> CHỨC NĂNG CHÍNH</a:t>
+            </a:r>
+            <a:endParaRPr kumimoji="0" lang="en-US" sz="3600" b="0" i="0" u="none" strike="noStrike" kern="1200" cap="none" spc="0" normalizeH="0" baseline="0" noProof="0">
+              <a:ln>
+                <a:noFill/>
+              </a:ln>
+              <a:solidFill>
+                <a:srgbClr val="5B9BD5">
+                  <a:lumMod val="75000"/>
+                </a:srgbClr>
+              </a:solidFill>
+              <a:effectLst/>
+              <a:uLnTx/>
+              <a:uFillTx/>
+              <a:latin typeface="iCiel Panton Black" panose="00000A00000000000000" pitchFamily="50" charset="0"/>
+              <a:ea typeface="Arial Unicode MS"/>
+              <a:cs typeface="+mn-cs"/>
+            </a:endParaRPr>
+          </a:p>
+        </p:txBody>
+      </p:sp>
+      <p:cxnSp>
+        <p:nvCxnSpPr>
+          <p:cNvPr id="5" name="Straight Connector 4"/>
+          <p:cNvCxnSpPr/>
+          <p:nvPr/>
+        </p:nvCxnSpPr>
+        <p:spPr>
+          <a:xfrm>
+            <a:off x="3238500" y="1107996"/>
+            <a:ext cx="7181850" cy="0"/>
+          </a:xfrm>
+          <a:prstGeom prst="line">
+            <a:avLst/>
+          </a:prstGeom>
+          <a:ln w="38100"/>
+        </p:spPr>
+        <p:style>
+          <a:lnRef idx="2">
+            <a:schemeClr val="accent4"/>
+          </a:lnRef>
+          <a:fillRef idx="0">
+            <a:schemeClr val="accent4"/>
+          </a:fillRef>
+          <a:effectRef idx="1">
+            <a:schemeClr val="accent4"/>
+          </a:effectRef>
+          <a:fontRef idx="minor">
+            <a:schemeClr val="tx1"/>
+          </a:fontRef>
+        </p:style>
+      </p:cxnSp>
       <p:sp>
         <p:nvSpPr>
           <p:cNvPr id="2" name="Rectangle 1"/>
@@ -21195,7 +23169,7 @@
         <p:spPr>
           <a:xfrm>
             <a:off x="8204860" y="2566420"/>
-            <a:ext cx="3333750" cy="3055965"/>
+            <a:ext cx="3333750" cy="2759602"/>
           </a:xfrm>
           <a:prstGeom prst="rect">
             <a:avLst/>
@@ -21226,22 +23200,6 @@
               <a:t>thuốc</a:t>
             </a:r>
             <a:endParaRPr lang="en-US" smtClean="0"/>
-          </a:p>
-          <a:p>
-            <a:pPr marL="285750" indent="-285750">
-              <a:lnSpc>
-                <a:spcPct val="107000"/>
-              </a:lnSpc>
-              <a:buFont typeface="Courier New" panose="02070309020205020404" pitchFamily="49" charset="0"/>
-              <a:buChar char="o"/>
-              <a:tabLst>
-                <a:tab pos="457200" algn="l"/>
-              </a:tabLst>
-            </a:pPr>
-            <a:r>
-              <a:rPr lang="en-US" smtClean="0"/>
-              <a:t>Quản lý giỏ hàng</a:t>
-            </a:r>
           </a:p>
           <a:p>
             <a:pPr marL="285750" lvl="0" indent="-285750">
@@ -21588,840 +23546,6 @@
     <p:bldLst>
       <p:bldP spid="2" grpId="0"/>
       <p:bldP spid="8" grpId="0"/>
-    </p:bldLst>
-  </p:timing>
-</p:sld>
-</file>
-
-<file path=ppt/slides/slide9.xml><?xml version="1.0" encoding="utf-8"?>
-<p:sld xmlns:a="http://schemas.openxmlformats.org/drawingml/2006/main" xmlns:r="http://schemas.openxmlformats.org/officeDocument/2006/relationships" xmlns:p="http://schemas.openxmlformats.org/presentationml/2006/main">
-  <p:cSld>
-    <p:spTree>
-      <p:nvGrpSpPr>
-        <p:cNvPr id="1" name=""/>
-        <p:cNvGrpSpPr/>
-        <p:nvPr/>
-      </p:nvGrpSpPr>
-      <p:grpSpPr>
-        <a:xfrm>
-          <a:off x="0" y="0"/>
-          <a:ext cx="0" cy="0"/>
-          <a:chOff x="0" y="0"/>
-          <a:chExt cx="0" cy="0"/>
-        </a:xfrm>
-      </p:grpSpPr>
-      <p:sp>
-        <p:nvSpPr>
-          <p:cNvPr id="3" name="직사각형 5">
-            <a:extLst>
-              <a:ext uri="{FF2B5EF4-FFF2-40B4-BE49-F238E27FC236}">
-                <a16:creationId xmlns:a16="http://schemas.microsoft.com/office/drawing/2014/main" id="{FF554DC2-BA96-4481-96E1-7C3432A3BF15}"/>
-              </a:ext>
-            </a:extLst>
-          </p:cNvPr>
-          <p:cNvSpPr/>
-          <p:nvPr/>
-        </p:nvSpPr>
-        <p:spPr>
-          <a:xfrm>
-            <a:off x="400050" y="0"/>
-            <a:ext cx="1771650" cy="1446550"/>
-          </a:xfrm>
-          <a:prstGeom prst="rect">
-            <a:avLst/>
-          </a:prstGeom>
-        </p:spPr>
-        <p:txBody>
-          <a:bodyPr wrap="square" anchor="ctr" anchorCtr="0">
-            <a:spAutoFit/>
-          </a:bodyPr>
-          <a:lstStyle/>
-          <a:p>
-            <a:pPr marL="0" marR="0" lvl="0" indent="0" algn="l" defTabSz="914400" rtl="0" eaLnBrk="1" fontAlgn="auto" latinLnBrk="1" hangingPunct="1">
-              <a:lnSpc>
-                <a:spcPct val="100000"/>
-              </a:lnSpc>
-              <a:spcBef>
-                <a:spcPts val="0"/>
-              </a:spcBef>
-              <a:spcAft>
-                <a:spcPts val="0"/>
-              </a:spcAft>
-              <a:buClrTx/>
-              <a:buSzTx/>
-              <a:buFontTx/>
-              <a:buNone/>
-              <a:tabLst/>
-              <a:defRPr/>
-            </a:pPr>
-            <a:r>
-              <a:rPr kumimoji="0" lang="en-US" altLang="ko-KR" sz="8800" b="0" i="0" u="none" strike="noStrike" kern="1200" cap="none" spc="0" normalizeH="0" baseline="0" noProof="0" smtClean="0">
-                <a:ln>
-                  <a:noFill/>
-                </a:ln>
-                <a:solidFill>
-                  <a:prstClr val="white"/>
-                </a:solidFill>
-                <a:effectLst/>
-                <a:uLnTx/>
-                <a:uFillTx/>
-                <a:latin typeface="Poppins SemiBold"/>
-                <a:ea typeface="Arial Unicode MS"/>
-                <a:cs typeface="+mn-cs"/>
-              </a:rPr>
-              <a:t>02.</a:t>
-            </a:r>
-            <a:endParaRPr kumimoji="0" lang="ko-KR" altLang="en-US" sz="8800" b="0" i="0" u="none" strike="noStrike" kern="1200" cap="none" spc="0" normalizeH="0" baseline="0" noProof="0" dirty="0">
-              <a:ln>
-                <a:noFill/>
-              </a:ln>
-              <a:solidFill>
-                <a:prstClr val="white"/>
-              </a:solidFill>
-              <a:effectLst/>
-              <a:uLnTx/>
-              <a:uFillTx/>
-              <a:latin typeface="Poppins SemiBold"/>
-              <a:ea typeface="Arial Unicode MS"/>
-              <a:cs typeface="+mn-cs"/>
-            </a:endParaRPr>
-          </a:p>
-        </p:txBody>
-      </p:sp>
-      <p:sp>
-        <p:nvSpPr>
-          <p:cNvPr id="4" name="TextBox 3"/>
-          <p:cNvSpPr txBox="1"/>
-          <p:nvPr/>
-        </p:nvSpPr>
-        <p:spPr>
-          <a:xfrm>
-            <a:off x="3276598" y="461665"/>
-            <a:ext cx="7943851" cy="646331"/>
-          </a:xfrm>
-          <a:prstGeom prst="rect">
-            <a:avLst/>
-          </a:prstGeom>
-          <a:noFill/>
-        </p:spPr>
-        <p:txBody>
-          <a:bodyPr wrap="square" rtlCol="0">
-            <a:spAutoFit/>
-          </a:bodyPr>
-          <a:lstStyle/>
-          <a:p>
-            <a:pPr marL="0" marR="0" lvl="0" indent="0" algn="l" defTabSz="914400" rtl="0" eaLnBrk="1" fontAlgn="auto" latinLnBrk="1" hangingPunct="1">
-              <a:lnSpc>
-                <a:spcPct val="100000"/>
-              </a:lnSpc>
-              <a:spcBef>
-                <a:spcPts val="0"/>
-              </a:spcBef>
-              <a:spcAft>
-                <a:spcPts val="0"/>
-              </a:spcAft>
-              <a:buClrTx/>
-              <a:buSzTx/>
-              <a:buFontTx/>
-              <a:buNone/>
-              <a:tabLst/>
-              <a:defRPr/>
-            </a:pPr>
-            <a:r>
-              <a:rPr lang="en-US" sz="3600" noProof="0" smtClean="0">
-                <a:solidFill>
-                  <a:srgbClr val="5B9BD5">
-                    <a:lumMod val="75000"/>
-                  </a:srgbClr>
-                </a:solidFill>
-                <a:latin typeface="iCiel Panton Black" panose="00000A00000000000000" pitchFamily="50" charset="0"/>
-                <a:ea typeface="Arial Unicode MS"/>
-              </a:rPr>
-              <a:t>2. </a:t>
-            </a:r>
-            <a:r>
-              <a:rPr lang="en-US" sz="3600" noProof="0" smtClean="0">
-                <a:solidFill>
-                  <a:srgbClr val="5B9BD5">
-                    <a:lumMod val="75000"/>
-                  </a:srgbClr>
-                </a:solidFill>
-                <a:latin typeface="iCiel Panton Black" panose="00000A00000000000000" pitchFamily="50" charset="0"/>
-                <a:ea typeface="Arial Unicode MS"/>
-              </a:rPr>
-              <a:t>PHÂN TÍCH HỆ THỐNG – DỮ LIỆU</a:t>
-            </a:r>
-            <a:endParaRPr kumimoji="0" lang="en-US" sz="3600" b="0" i="0" u="none" strike="noStrike" kern="1200" cap="none" spc="0" normalizeH="0" baseline="0" noProof="0">
-              <a:ln>
-                <a:noFill/>
-              </a:ln>
-              <a:solidFill>
-                <a:srgbClr val="5B9BD5">
-                  <a:lumMod val="75000"/>
-                </a:srgbClr>
-              </a:solidFill>
-              <a:effectLst/>
-              <a:uLnTx/>
-              <a:uFillTx/>
-              <a:latin typeface="iCiel Panton Black" panose="00000A00000000000000" pitchFamily="50" charset="0"/>
-              <a:ea typeface="Arial Unicode MS"/>
-              <a:cs typeface="+mn-cs"/>
-            </a:endParaRPr>
-          </a:p>
-        </p:txBody>
-      </p:sp>
-      <p:cxnSp>
-        <p:nvCxnSpPr>
-          <p:cNvPr id="5" name="Straight Connector 4"/>
-          <p:cNvCxnSpPr/>
-          <p:nvPr/>
-        </p:nvCxnSpPr>
-        <p:spPr>
-          <a:xfrm>
-            <a:off x="3238500" y="1107996"/>
-            <a:ext cx="7181850" cy="0"/>
-          </a:xfrm>
-          <a:prstGeom prst="line">
-            <a:avLst/>
-          </a:prstGeom>
-          <a:ln w="38100"/>
-        </p:spPr>
-        <p:style>
-          <a:lnRef idx="2">
-            <a:schemeClr val="accent4"/>
-          </a:lnRef>
-          <a:fillRef idx="0">
-            <a:schemeClr val="accent4"/>
-          </a:fillRef>
-          <a:effectRef idx="1">
-            <a:schemeClr val="accent4"/>
-          </a:effectRef>
-          <a:fontRef idx="minor">
-            <a:schemeClr val="tx1"/>
-          </a:fontRef>
-        </p:style>
-      </p:cxnSp>
-      <p:pic>
-        <p:nvPicPr>
-          <p:cNvPr id="10" name="그림 6">
-            <a:extLst>
-              <a:ext uri="{FF2B5EF4-FFF2-40B4-BE49-F238E27FC236}">
-                <a16:creationId xmlns:a16="http://schemas.microsoft.com/office/drawing/2014/main" id="{882EA250-1C58-44FD-A33D-1BE22C86B1D1}"/>
-              </a:ext>
-            </a:extLst>
-          </p:cNvPr>
-          <p:cNvPicPr>
-            <a:picLocks noChangeAspect="1"/>
-          </p:cNvPicPr>
-          <p:nvPr/>
-        </p:nvPicPr>
-        <p:blipFill>
-          <a:blip r:embed="rId2">
-            <a:extLst>
-              <a:ext uri="{28A0092B-C50C-407E-A947-70E740481C1C}">
-                <a14:useLocalDpi xmlns:a14="http://schemas.microsoft.com/office/drawing/2010/main" val="0"/>
-              </a:ext>
-            </a:extLst>
-          </a:blip>
-          <a:stretch>
-            <a:fillRect/>
-          </a:stretch>
-        </p:blipFill>
-        <p:spPr>
-          <a:xfrm>
-            <a:off x="12865638" y="1446550"/>
-            <a:ext cx="3374907" cy="4694615"/>
-          </a:xfrm>
-          <a:prstGeom prst="rect">
-            <a:avLst/>
-          </a:prstGeom>
-        </p:spPr>
-      </p:pic>
-      <p:pic>
-        <p:nvPicPr>
-          <p:cNvPr id="13" name="Picture 12"/>
-          <p:cNvPicPr/>
-          <p:nvPr/>
-        </p:nvPicPr>
-        <p:blipFill>
-          <a:blip r:embed="rId3">
-            <a:extLst>
-              <a:ext uri="{28A0092B-C50C-407E-A947-70E740481C1C}">
-                <a14:useLocalDpi xmlns:a14="http://schemas.microsoft.com/office/drawing/2010/main" val="0"/>
-              </a:ext>
-            </a:extLst>
-          </a:blip>
-          <a:srcRect/>
-          <a:stretch>
-            <a:fillRect/>
-          </a:stretch>
-        </p:blipFill>
-        <p:spPr bwMode="auto">
-          <a:xfrm>
-            <a:off x="1899442" y="1942246"/>
-            <a:ext cx="8679816" cy="4915754"/>
-          </a:xfrm>
-          <a:prstGeom prst="rect">
-            <a:avLst/>
-          </a:prstGeom>
-          <a:noFill/>
-          <a:ln>
-            <a:noFill/>
-          </a:ln>
-        </p:spPr>
-      </p:pic>
-      <p:pic>
-        <p:nvPicPr>
-          <p:cNvPr id="14" name="Picture 13"/>
-          <p:cNvPicPr/>
-          <p:nvPr/>
-        </p:nvPicPr>
-        <p:blipFill>
-          <a:blip r:embed="rId4">
-            <a:extLst>
-              <a:ext uri="{28A0092B-C50C-407E-A947-70E740481C1C}">
-                <a14:useLocalDpi xmlns:a14="http://schemas.microsoft.com/office/drawing/2010/main" val="0"/>
-              </a:ext>
-            </a:extLst>
-          </a:blip>
-          <a:srcRect/>
-          <a:stretch>
-            <a:fillRect/>
-          </a:stretch>
-        </p:blipFill>
-        <p:spPr bwMode="auto">
-          <a:xfrm>
-            <a:off x="1899442" y="2172711"/>
-            <a:ext cx="8997633" cy="4454823"/>
-          </a:xfrm>
-          <a:prstGeom prst="rect">
-            <a:avLst/>
-          </a:prstGeom>
-          <a:noFill/>
-          <a:ln>
-            <a:noFill/>
-          </a:ln>
-        </p:spPr>
-      </p:pic>
-      <p:sp>
-        <p:nvSpPr>
-          <p:cNvPr id="15" name="직사각형 36">
-            <a:extLst>
-              <a:ext uri="{FF2B5EF4-FFF2-40B4-BE49-F238E27FC236}">
-                <a16:creationId xmlns:a16="http://schemas.microsoft.com/office/drawing/2014/main" id="{49031848-D831-4870-BA4F-F72336142045}"/>
-              </a:ext>
-            </a:extLst>
-          </p:cNvPr>
-          <p:cNvSpPr/>
-          <p:nvPr/>
-        </p:nvSpPr>
-        <p:spPr>
-          <a:xfrm>
-            <a:off x="2171700" y="1523494"/>
-            <a:ext cx="2971800" cy="461665"/>
-          </a:xfrm>
-          <a:prstGeom prst="rect">
-            <a:avLst/>
-          </a:prstGeom>
-          <a:noFill/>
-        </p:spPr>
-        <p:txBody>
-          <a:bodyPr wrap="square" rtlCol="0" anchor="ctr" anchorCtr="0">
-            <a:spAutoFit/>
-          </a:bodyPr>
-          <a:lstStyle/>
-          <a:p>
-            <a:pPr marL="0" marR="0" lvl="0" indent="0" algn="ctr" defTabSz="914400" rtl="0" eaLnBrk="1" fontAlgn="auto" latinLnBrk="1" hangingPunct="1">
-              <a:lnSpc>
-                <a:spcPct val="100000"/>
-              </a:lnSpc>
-              <a:spcBef>
-                <a:spcPts val="0"/>
-              </a:spcBef>
-              <a:spcAft>
-                <a:spcPts val="0"/>
-              </a:spcAft>
-              <a:buClrTx/>
-              <a:buSzTx/>
-              <a:buFontTx/>
-              <a:buNone/>
-              <a:tabLst/>
-              <a:defRPr/>
-            </a:pPr>
-            <a:r>
-              <a:rPr kumimoji="0" lang="en-US" altLang="ko-KR" sz="2400" b="0" i="0" u="none" strike="noStrike" kern="1200" cap="none" spc="0" normalizeH="0" baseline="0" noProof="0" smtClean="0">
-                <a:ln>
-                  <a:noFill/>
-                </a:ln>
-                <a:solidFill>
-                  <a:prstClr val="black"/>
-                </a:solidFill>
-                <a:effectLst/>
-                <a:uLnTx/>
-                <a:uFillTx/>
-                <a:latin typeface="iCiel Gotham Ultra" pitchFamily="50" charset="0"/>
-                <a:ea typeface="Arial Unicode MS"/>
-                <a:cs typeface="iCiel Gotham Ultra" pitchFamily="50" charset="0"/>
-              </a:rPr>
-              <a:t>Sơ</a:t>
-            </a:r>
-            <a:r>
-              <a:rPr kumimoji="0" lang="en-US" altLang="ko-KR" sz="2400" b="0" i="0" u="none" strike="noStrike" kern="1200" cap="none" spc="0" normalizeH="0" noProof="0" smtClean="0">
-                <a:ln>
-                  <a:noFill/>
-                </a:ln>
-                <a:solidFill>
-                  <a:prstClr val="black"/>
-                </a:solidFill>
-                <a:effectLst/>
-                <a:uLnTx/>
-                <a:uFillTx/>
-                <a:latin typeface="iCiel Gotham Ultra" pitchFamily="50" charset="0"/>
-                <a:ea typeface="Arial Unicode MS"/>
-                <a:cs typeface="iCiel Gotham Ultra" pitchFamily="50" charset="0"/>
-              </a:rPr>
-              <a:t> đồ Usecase</a:t>
-            </a:r>
-            <a:endParaRPr kumimoji="0" lang="en-US" altLang="ko-KR" sz="2400" b="0" i="0" u="none" strike="noStrike" kern="1200" cap="none" spc="0" normalizeH="0" baseline="0" noProof="0" dirty="0">
-              <a:ln>
-                <a:noFill/>
-              </a:ln>
-              <a:solidFill>
-                <a:prstClr val="black"/>
-              </a:solidFill>
-              <a:effectLst/>
-              <a:uLnTx/>
-              <a:uFillTx/>
-              <a:latin typeface="iCiel Gotham Ultra" pitchFamily="50" charset="0"/>
-              <a:ea typeface="Arial Unicode MS"/>
-              <a:cs typeface="iCiel Gotham Ultra" pitchFamily="50" charset="0"/>
-            </a:endParaRPr>
-          </a:p>
-        </p:txBody>
-      </p:sp>
-      <p:sp>
-        <p:nvSpPr>
-          <p:cNvPr id="16" name="직사각형 36">
-            <a:extLst>
-              <a:ext uri="{FF2B5EF4-FFF2-40B4-BE49-F238E27FC236}">
-                <a16:creationId xmlns:a16="http://schemas.microsoft.com/office/drawing/2014/main" id="{49031848-D831-4870-BA4F-F72336142045}"/>
-              </a:ext>
-            </a:extLst>
-          </p:cNvPr>
-          <p:cNvSpPr/>
-          <p:nvPr/>
-        </p:nvSpPr>
-        <p:spPr>
-          <a:xfrm>
-            <a:off x="1869945" y="1502038"/>
-            <a:ext cx="2842110" cy="461665"/>
-          </a:xfrm>
-          <a:prstGeom prst="rect">
-            <a:avLst/>
-          </a:prstGeom>
-          <a:noFill/>
-        </p:spPr>
-        <p:txBody>
-          <a:bodyPr wrap="square" rtlCol="0" anchor="ctr" anchorCtr="0">
-            <a:spAutoFit/>
-          </a:bodyPr>
-          <a:lstStyle/>
-          <a:p>
-            <a:pPr marL="0" marR="0" lvl="0" indent="0" algn="ctr" defTabSz="914400" rtl="0" eaLnBrk="1" fontAlgn="auto" latinLnBrk="1" hangingPunct="1">
-              <a:lnSpc>
-                <a:spcPct val="100000"/>
-              </a:lnSpc>
-              <a:spcBef>
-                <a:spcPts val="0"/>
-              </a:spcBef>
-              <a:spcAft>
-                <a:spcPts val="0"/>
-              </a:spcAft>
-              <a:buClrTx/>
-              <a:buSzTx/>
-              <a:buFontTx/>
-              <a:buNone/>
-              <a:tabLst/>
-              <a:defRPr/>
-            </a:pPr>
-            <a:r>
-              <a:rPr lang="en-US" altLang="ko-KR" sz="2400" smtClean="0">
-                <a:solidFill>
-                  <a:prstClr val="black"/>
-                </a:solidFill>
-                <a:latin typeface="iCiel Gotham Ultra" pitchFamily="50" charset="0"/>
-                <a:ea typeface="Arial Unicode MS"/>
-                <a:cs typeface="iCiel Gotham Ultra" pitchFamily="50" charset="0"/>
-              </a:rPr>
-              <a:t>Sơ đồ lớp</a:t>
-            </a:r>
-            <a:endParaRPr kumimoji="0" lang="en-US" altLang="ko-KR" sz="2400" b="0" i="0" u="none" strike="noStrike" kern="1200" cap="none" spc="0" normalizeH="0" baseline="0" noProof="0" dirty="0">
-              <a:ln>
-                <a:noFill/>
-              </a:ln>
-              <a:solidFill>
-                <a:prstClr val="black"/>
-              </a:solidFill>
-              <a:effectLst/>
-              <a:uLnTx/>
-              <a:uFillTx/>
-              <a:latin typeface="iCiel Gotham Ultra" pitchFamily="50" charset="0"/>
-              <a:ea typeface="Arial Unicode MS"/>
-              <a:cs typeface="iCiel Gotham Ultra" pitchFamily="50" charset="0"/>
-            </a:endParaRPr>
-          </a:p>
-        </p:txBody>
-      </p:sp>
-    </p:spTree>
-    <p:extLst>
-      <p:ext uri="{BB962C8B-B14F-4D97-AF65-F5344CB8AC3E}">
-        <p14:creationId xmlns:p14="http://schemas.microsoft.com/office/powerpoint/2010/main" val="1786385303"/>
-      </p:ext>
-    </p:extLst>
-  </p:cSld>
-  <p:clrMapOvr>
-    <a:masterClrMapping/>
-  </p:clrMapOvr>
-  <p:timing>
-    <p:tnLst>
-      <p:par>
-        <p:cTn id="1" dur="indefinite" restart="never" nodeType="tmRoot">
-          <p:childTnLst>
-            <p:seq concurrent="1" nextAc="seek">
-              <p:cTn id="2" dur="indefinite" nodeType="mainSeq">
-                <p:childTnLst>
-                  <p:par>
-                    <p:cTn id="3" fill="hold">
-                      <p:stCondLst>
-                        <p:cond delay="indefinite"/>
-                      </p:stCondLst>
-                      <p:childTnLst>
-                        <p:par>
-                          <p:cTn id="4" fill="hold">
-                            <p:stCondLst>
-                              <p:cond delay="0"/>
-                            </p:stCondLst>
-                            <p:childTnLst>
-                              <p:par>
-                                <p:cTn id="5" presetID="10" presetClass="entr" presetSubtype="0" fill="hold" grpId="0" nodeType="clickEffect">
-                                  <p:stCondLst>
-                                    <p:cond delay="0"/>
-                                  </p:stCondLst>
-                                  <p:childTnLst>
-                                    <p:set>
-                                      <p:cBhvr>
-                                        <p:cTn id="6" dur="1" fill="hold">
-                                          <p:stCondLst>
-                                            <p:cond delay="0"/>
-                                          </p:stCondLst>
-                                        </p:cTn>
-                                        <p:tgtEl>
-                                          <p:spTgt spid="15"/>
-                                        </p:tgtEl>
-                                        <p:attrNameLst>
-                                          <p:attrName>style.visibility</p:attrName>
-                                        </p:attrNameLst>
-                                      </p:cBhvr>
-                                      <p:to>
-                                        <p:strVal val="visible"/>
-                                      </p:to>
-                                    </p:set>
-                                    <p:animEffect transition="in" filter="fade">
-                                      <p:cBhvr>
-                                        <p:cTn id="7" dur="500"/>
-                                        <p:tgtEl>
-                                          <p:spTgt spid="15"/>
-                                        </p:tgtEl>
-                                      </p:cBhvr>
-                                    </p:animEffect>
-                                  </p:childTnLst>
-                                </p:cTn>
-                              </p:par>
-                            </p:childTnLst>
-                          </p:cTn>
-                        </p:par>
-                      </p:childTnLst>
-                    </p:cTn>
-                  </p:par>
-                  <p:par>
-                    <p:cTn id="8" fill="hold">
-                      <p:stCondLst>
-                        <p:cond delay="indefinite"/>
-                      </p:stCondLst>
-                      <p:childTnLst>
-                        <p:par>
-                          <p:cTn id="9" fill="hold">
-                            <p:stCondLst>
-                              <p:cond delay="0"/>
-                            </p:stCondLst>
-                            <p:childTnLst>
-                              <p:par>
-                                <p:cTn id="10" presetID="10" presetClass="entr" presetSubtype="0" fill="hold" nodeType="clickEffect">
-                                  <p:stCondLst>
-                                    <p:cond delay="0"/>
-                                  </p:stCondLst>
-                                  <p:childTnLst>
-                                    <p:set>
-                                      <p:cBhvr>
-                                        <p:cTn id="11" dur="1" fill="hold">
-                                          <p:stCondLst>
-                                            <p:cond delay="0"/>
-                                          </p:stCondLst>
-                                        </p:cTn>
-                                        <p:tgtEl>
-                                          <p:spTgt spid="13"/>
-                                        </p:tgtEl>
-                                        <p:attrNameLst>
-                                          <p:attrName>style.visibility</p:attrName>
-                                        </p:attrNameLst>
-                                      </p:cBhvr>
-                                      <p:to>
-                                        <p:strVal val="visible"/>
-                                      </p:to>
-                                    </p:set>
-                                    <p:animEffect transition="in" filter="fade">
-                                      <p:cBhvr>
-                                        <p:cTn id="12" dur="500"/>
-                                        <p:tgtEl>
-                                          <p:spTgt spid="13"/>
-                                        </p:tgtEl>
-                                      </p:cBhvr>
-                                    </p:animEffect>
-                                  </p:childTnLst>
-                                </p:cTn>
-                              </p:par>
-                            </p:childTnLst>
-                          </p:cTn>
-                        </p:par>
-                      </p:childTnLst>
-                    </p:cTn>
-                  </p:par>
-                  <p:par>
-                    <p:cTn id="13" fill="hold">
-                      <p:stCondLst>
-                        <p:cond delay="indefinite"/>
-                      </p:stCondLst>
-                      <p:childTnLst>
-                        <p:par>
-                          <p:cTn id="14" fill="hold">
-                            <p:stCondLst>
-                              <p:cond delay="0"/>
-                            </p:stCondLst>
-                            <p:childTnLst>
-                              <p:par>
-                                <p:cTn id="15" presetID="10" presetClass="exit" presetSubtype="0" fill="hold" grpId="1" nodeType="clickEffect">
-                                  <p:stCondLst>
-                                    <p:cond delay="0"/>
-                                  </p:stCondLst>
-                                  <p:childTnLst>
-                                    <p:animEffect transition="out" filter="fade">
-                                      <p:cBhvr>
-                                        <p:cTn id="16" dur="500"/>
-                                        <p:tgtEl>
-                                          <p:spTgt spid="15"/>
-                                        </p:tgtEl>
-                                      </p:cBhvr>
-                                    </p:animEffect>
-                                    <p:set>
-                                      <p:cBhvr>
-                                        <p:cTn id="17" dur="1" fill="hold">
-                                          <p:stCondLst>
-                                            <p:cond delay="499"/>
-                                          </p:stCondLst>
-                                        </p:cTn>
-                                        <p:tgtEl>
-                                          <p:spTgt spid="15"/>
-                                        </p:tgtEl>
-                                        <p:attrNameLst>
-                                          <p:attrName>style.visibility</p:attrName>
-                                        </p:attrNameLst>
-                                      </p:cBhvr>
-                                      <p:to>
-                                        <p:strVal val="hidden"/>
-                                      </p:to>
-                                    </p:set>
-                                  </p:childTnLst>
-                                </p:cTn>
-                              </p:par>
-                              <p:par>
-                                <p:cTn id="18" presetID="10" presetClass="exit" presetSubtype="0" fill="hold" nodeType="withEffect">
-                                  <p:stCondLst>
-                                    <p:cond delay="0"/>
-                                  </p:stCondLst>
-                                  <p:childTnLst>
-                                    <p:animEffect transition="out" filter="fade">
-                                      <p:cBhvr>
-                                        <p:cTn id="19" dur="500"/>
-                                        <p:tgtEl>
-                                          <p:spTgt spid="13"/>
-                                        </p:tgtEl>
-                                      </p:cBhvr>
-                                    </p:animEffect>
-                                    <p:set>
-                                      <p:cBhvr>
-                                        <p:cTn id="20" dur="1" fill="hold">
-                                          <p:stCondLst>
-                                            <p:cond delay="499"/>
-                                          </p:stCondLst>
-                                        </p:cTn>
-                                        <p:tgtEl>
-                                          <p:spTgt spid="13"/>
-                                        </p:tgtEl>
-                                        <p:attrNameLst>
-                                          <p:attrName>style.visibility</p:attrName>
-                                        </p:attrNameLst>
-                                      </p:cBhvr>
-                                      <p:to>
-                                        <p:strVal val="hidden"/>
-                                      </p:to>
-                                    </p:set>
-                                  </p:childTnLst>
-                                </p:cTn>
-                              </p:par>
-                            </p:childTnLst>
-                          </p:cTn>
-                        </p:par>
-                      </p:childTnLst>
-                    </p:cTn>
-                  </p:par>
-                  <p:par>
-                    <p:cTn id="21" fill="hold">
-                      <p:stCondLst>
-                        <p:cond delay="indefinite"/>
-                      </p:stCondLst>
-                      <p:childTnLst>
-                        <p:par>
-                          <p:cTn id="22" fill="hold">
-                            <p:stCondLst>
-                              <p:cond delay="0"/>
-                            </p:stCondLst>
-                            <p:childTnLst>
-                              <p:par>
-                                <p:cTn id="23" presetID="10" presetClass="entr" presetSubtype="0" fill="hold" nodeType="clickEffect">
-                                  <p:stCondLst>
-                                    <p:cond delay="0"/>
-                                  </p:stCondLst>
-                                  <p:childTnLst>
-                                    <p:set>
-                                      <p:cBhvr>
-                                        <p:cTn id="24" dur="1" fill="hold">
-                                          <p:stCondLst>
-                                            <p:cond delay="0"/>
-                                          </p:stCondLst>
-                                        </p:cTn>
-                                        <p:tgtEl>
-                                          <p:spTgt spid="16">
-                                            <p:txEl>
-                                              <p:pRg st="0" end="0"/>
-                                            </p:txEl>
-                                          </p:spTgt>
-                                        </p:tgtEl>
-                                        <p:attrNameLst>
-                                          <p:attrName>style.visibility</p:attrName>
-                                        </p:attrNameLst>
-                                      </p:cBhvr>
-                                      <p:to>
-                                        <p:strVal val="visible"/>
-                                      </p:to>
-                                    </p:set>
-                                    <p:animEffect transition="in" filter="fade">
-                                      <p:cBhvr>
-                                        <p:cTn id="25" dur="500"/>
-                                        <p:tgtEl>
-                                          <p:spTgt spid="16">
-                                            <p:txEl>
-                                              <p:pRg st="0" end="0"/>
-                                            </p:txEl>
-                                          </p:spTgt>
-                                        </p:tgtEl>
-                                      </p:cBhvr>
-                                    </p:animEffect>
-                                  </p:childTnLst>
-                                </p:cTn>
-                              </p:par>
-                            </p:childTnLst>
-                          </p:cTn>
-                        </p:par>
-                      </p:childTnLst>
-                    </p:cTn>
-                  </p:par>
-                  <p:par>
-                    <p:cTn id="26" fill="hold">
-                      <p:stCondLst>
-                        <p:cond delay="indefinite"/>
-                      </p:stCondLst>
-                      <p:childTnLst>
-                        <p:par>
-                          <p:cTn id="27" fill="hold">
-                            <p:stCondLst>
-                              <p:cond delay="0"/>
-                            </p:stCondLst>
-                            <p:childTnLst>
-                              <p:par>
-                                <p:cTn id="28" presetID="10" presetClass="entr" presetSubtype="0" fill="hold" nodeType="clickEffect">
-                                  <p:stCondLst>
-                                    <p:cond delay="0"/>
-                                  </p:stCondLst>
-                                  <p:childTnLst>
-                                    <p:set>
-                                      <p:cBhvr>
-                                        <p:cTn id="29" dur="1" fill="hold">
-                                          <p:stCondLst>
-                                            <p:cond delay="0"/>
-                                          </p:stCondLst>
-                                        </p:cTn>
-                                        <p:tgtEl>
-                                          <p:spTgt spid="14"/>
-                                        </p:tgtEl>
-                                        <p:attrNameLst>
-                                          <p:attrName>style.visibility</p:attrName>
-                                        </p:attrNameLst>
-                                      </p:cBhvr>
-                                      <p:to>
-                                        <p:strVal val="visible"/>
-                                      </p:to>
-                                    </p:set>
-                                    <p:animEffect transition="in" filter="fade">
-                                      <p:cBhvr>
-                                        <p:cTn id="30" dur="500"/>
-                                        <p:tgtEl>
-                                          <p:spTgt spid="14"/>
-                                        </p:tgtEl>
-                                      </p:cBhvr>
-                                    </p:animEffect>
-                                  </p:childTnLst>
-                                </p:cTn>
-                              </p:par>
-                            </p:childTnLst>
-                          </p:cTn>
-                        </p:par>
-                      </p:childTnLst>
-                    </p:cTn>
-                  </p:par>
-                </p:childTnLst>
-              </p:cTn>
-              <p:prevCondLst>
-                <p:cond evt="onPrev" delay="0">
-                  <p:tgtEl>
-                    <p:sldTgt/>
-                  </p:tgtEl>
-                </p:cond>
-              </p:prevCondLst>
-              <p:nextCondLst>
-                <p:cond evt="onNext" delay="0">
-                  <p:tgtEl>
-                    <p:sldTgt/>
-                  </p:tgtEl>
-                </p:cond>
-              </p:nextCondLst>
-            </p:seq>
-          </p:childTnLst>
-        </p:cTn>
-      </p:par>
-    </p:tnLst>
-    <p:bldLst>
-      <p:bldP spid="15" grpId="0"/>
-      <p:bldP spid="15" grpId="1"/>
     </p:bldLst>
   </p:timing>
 </p:sld>
